--- a/docs/projektplan/Risikoanalyse.pptx
+++ b/docs/projektplan/Risikoanalyse.pptx
@@ -104,6 +104,11 @@
       </a:defRPr>
     </a:lvl9pPr>
   </p:defaultTextStyle>
+  <p:extLst>
+    <p:ext uri="{EFAFB233-063F-42B5-8137-9DF3F51BA10A}">
+      <p15:sldGuideLst xmlns:p15="http://schemas.microsoft.com/office/powerpoint/2012/main"/>
+    </p:ext>
+  </p:extLst>
 </p:presentation>
 </file>
 
@@ -193,7 +198,7 @@
           <a:p>
             <a:fld id="{9C767A10-E48D-48DC-B8F1-7E91AACA70F7}" type="datetimeFigureOut">
               <a:rPr lang="de-CH" smtClean="0"/>
-              <a:t>01.03.2017</a:t>
+              <a:t>02.03.17</a:t>
             </a:fld>
             <a:endParaRPr lang="de-CH"/>
           </a:p>
@@ -296,7 +301,7 @@
           <a:graphicData uri="http://schemas.openxmlformats.org/presentationml/2006/ole">
             <mc:AlternateContent xmlns:mc="http://schemas.openxmlformats.org/markup-compatibility/2006">
               <mc:Choice xmlns:v="urn:schemas-microsoft-com:vml" Requires="v">
-                <p:oleObj spid="_x0000_s1026" name="think-cell Folie" r:id="rId5" imgW="372" imgH="369" progId="TCLayout.ActiveDocument.1">
+                <p:oleObj spid="_x0000_s1029" name="think-cell Folie" r:id="rId5" imgW="372" imgH="369" progId="TCLayout.ActiveDocument.1">
                   <p:embed/>
                 </p:oleObj>
               </mc:Choice>
@@ -2001,7 +2006,306 @@
         </p:nvSpPr>
         <p:spPr>
           <a:xfrm>
-            <a:off x="4807689" y="4366348"/>
+            <a:off x="2473101" y="3404282"/>
+            <a:ext cx="288000" cy="288000"/>
+          </a:xfrm>
+          <a:prstGeom prst="ellipse">
+            <a:avLst/>
+          </a:prstGeom>
+        </p:spPr>
+        <p:style>
+          <a:lnRef idx="0">
+            <a:schemeClr val="accent1"/>
+          </a:lnRef>
+          <a:fillRef idx="3">
+            <a:schemeClr val="accent1"/>
+          </a:fillRef>
+          <a:effectRef idx="3">
+            <a:schemeClr val="accent1"/>
+          </a:effectRef>
+          <a:fontRef idx="minor">
+            <a:schemeClr val="lt1"/>
+          </a:fontRef>
+        </p:style>
+        <p:txBody>
+          <a:bodyPr rtlCol="0" anchor="ctr"/>
+          <a:lstStyle/>
+          <a:p>
+            <a:pPr marL="0" marR="0" lvl="0" indent="0" algn="ctr" defTabSz="914400" rtl="0" eaLnBrk="0" fontAlgn="base" latinLnBrk="0" hangingPunct="0">
+              <a:lnSpc>
+                <a:spcPct val="100000"/>
+              </a:lnSpc>
+              <a:spcBef>
+                <a:spcPct val="0"/>
+              </a:spcBef>
+              <a:spcAft>
+                <a:spcPct val="0"/>
+              </a:spcAft>
+              <a:buClrTx/>
+              <a:buSzTx/>
+              <a:buFontTx/>
+              <a:buNone/>
+              <a:tabLst/>
+              <a:defRPr/>
+            </a:pPr>
+            <a:r>
+              <a:rPr lang="de-CH" sz="1600" dirty="0">
+                <a:solidFill>
+                  <a:srgbClr val="FFFFFF"/>
+                </a:solidFill>
+              </a:rPr>
+              <a:t>2</a:t>
+            </a:r>
+            <a:endParaRPr kumimoji="0" lang="de-CH" sz="1600" b="0" i="0" u="none" strike="noStrike" kern="1200" cap="none" spc="0" normalizeH="0" baseline="0" noProof="0" dirty="0">
+              <a:ln>
+                <a:noFill/>
+              </a:ln>
+              <a:solidFill>
+                <a:srgbClr val="FFFFFF"/>
+              </a:solidFill>
+              <a:effectLst/>
+              <a:uLnTx/>
+              <a:uFillTx/>
+              <a:latin typeface="+mn-lt"/>
+              <a:ea typeface="+mn-ea"/>
+              <a:cs typeface="+mn-cs"/>
+            </a:endParaRPr>
+          </a:p>
+        </p:txBody>
+      </p:sp>
+      <p:sp>
+        <p:nvSpPr>
+          <p:cNvPr id="82" name="Ellipse 81"/>
+          <p:cNvSpPr/>
+          <p:nvPr/>
+        </p:nvSpPr>
+        <p:spPr>
+          <a:xfrm>
+            <a:off x="3635923" y="3404091"/>
+            <a:ext cx="288000" cy="288000"/>
+          </a:xfrm>
+          <a:prstGeom prst="ellipse">
+            <a:avLst/>
+          </a:prstGeom>
+        </p:spPr>
+        <p:style>
+          <a:lnRef idx="0">
+            <a:schemeClr val="accent1"/>
+          </a:lnRef>
+          <a:fillRef idx="3">
+            <a:schemeClr val="accent1"/>
+          </a:fillRef>
+          <a:effectRef idx="3">
+            <a:schemeClr val="accent1"/>
+          </a:effectRef>
+          <a:fontRef idx="minor">
+            <a:schemeClr val="lt1"/>
+          </a:fontRef>
+        </p:style>
+        <p:txBody>
+          <a:bodyPr rtlCol="0" anchor="ctr"/>
+          <a:lstStyle/>
+          <a:p>
+            <a:pPr marL="0" marR="0" lvl="0" indent="0" algn="ctr" defTabSz="914400" rtl="0" eaLnBrk="0" fontAlgn="base" latinLnBrk="0" hangingPunct="0">
+              <a:lnSpc>
+                <a:spcPct val="100000"/>
+              </a:lnSpc>
+              <a:spcBef>
+                <a:spcPct val="0"/>
+              </a:spcBef>
+              <a:spcAft>
+                <a:spcPct val="0"/>
+              </a:spcAft>
+              <a:buClrTx/>
+              <a:buSzTx/>
+              <a:buFontTx/>
+              <a:buNone/>
+              <a:tabLst/>
+              <a:defRPr/>
+            </a:pPr>
+            <a:r>
+              <a:rPr kumimoji="0" lang="de-CH" sz="1600" b="0" i="0" u="none" strike="noStrike" kern="1200" cap="none" spc="0" normalizeH="0" baseline="0" noProof="0" dirty="0" smtClean="0">
+                <a:ln>
+                  <a:noFill/>
+                </a:ln>
+                <a:solidFill>
+                  <a:srgbClr val="FFFFFF"/>
+                </a:solidFill>
+                <a:effectLst/>
+                <a:uLnTx/>
+                <a:uFillTx/>
+                <a:latin typeface="+mn-lt"/>
+                <a:ea typeface="+mn-ea"/>
+                <a:cs typeface="+mn-cs"/>
+              </a:rPr>
+              <a:t>1</a:t>
+            </a:r>
+            <a:endParaRPr kumimoji="0" lang="de-CH" sz="1600" b="0" i="0" u="none" strike="noStrike" kern="1200" cap="none" spc="0" normalizeH="0" baseline="0" noProof="0" dirty="0">
+              <a:ln>
+                <a:noFill/>
+              </a:ln>
+              <a:solidFill>
+                <a:srgbClr val="FFFFFF"/>
+              </a:solidFill>
+              <a:effectLst/>
+              <a:uLnTx/>
+              <a:uFillTx/>
+              <a:latin typeface="+mn-lt"/>
+              <a:ea typeface="+mn-ea"/>
+              <a:cs typeface="+mn-cs"/>
+            </a:endParaRPr>
+          </a:p>
+        </p:txBody>
+      </p:sp>
+      <p:sp>
+        <p:nvSpPr>
+          <p:cNvPr id="83" name="Ellipse 82"/>
+          <p:cNvSpPr/>
+          <p:nvPr/>
+        </p:nvSpPr>
+        <p:spPr>
+          <a:xfrm>
+            <a:off x="2661023" y="2467630"/>
+            <a:ext cx="288000" cy="288000"/>
+          </a:xfrm>
+          <a:prstGeom prst="ellipse">
+            <a:avLst/>
+          </a:prstGeom>
+        </p:spPr>
+        <p:style>
+          <a:lnRef idx="0">
+            <a:schemeClr val="accent1"/>
+          </a:lnRef>
+          <a:fillRef idx="3">
+            <a:schemeClr val="accent1"/>
+          </a:fillRef>
+          <a:effectRef idx="3">
+            <a:schemeClr val="accent1"/>
+          </a:effectRef>
+          <a:fontRef idx="minor">
+            <a:schemeClr val="lt1"/>
+          </a:fontRef>
+        </p:style>
+        <p:txBody>
+          <a:bodyPr rtlCol="0" anchor="ctr"/>
+          <a:lstStyle/>
+          <a:p>
+            <a:pPr marL="0" marR="0" lvl="0" indent="0" algn="ctr" defTabSz="914400" rtl="0" eaLnBrk="0" fontAlgn="base" latinLnBrk="0" hangingPunct="0">
+              <a:lnSpc>
+                <a:spcPct val="100000"/>
+              </a:lnSpc>
+              <a:spcBef>
+                <a:spcPct val="0"/>
+              </a:spcBef>
+              <a:spcAft>
+                <a:spcPct val="0"/>
+              </a:spcAft>
+              <a:buClrTx/>
+              <a:buSzTx/>
+              <a:buFontTx/>
+              <a:buNone/>
+              <a:tabLst/>
+              <a:defRPr/>
+            </a:pPr>
+            <a:r>
+              <a:rPr kumimoji="0" lang="de-CH" sz="1600" b="0" i="0" u="none" strike="noStrike" kern="1200" cap="none" spc="0" normalizeH="0" baseline="0" noProof="0" dirty="0">
+                <a:ln>
+                  <a:noFill/>
+                </a:ln>
+                <a:solidFill>
+                  <a:srgbClr val="FFFFFF"/>
+                </a:solidFill>
+                <a:effectLst/>
+                <a:uLnTx/>
+                <a:uFillTx/>
+                <a:latin typeface="+mn-lt"/>
+                <a:ea typeface="+mn-ea"/>
+                <a:cs typeface="+mn-cs"/>
+              </a:rPr>
+              <a:t>4</a:t>
+            </a:r>
+          </a:p>
+        </p:txBody>
+      </p:sp>
+      <p:sp>
+        <p:nvSpPr>
+          <p:cNvPr id="84" name="Ellipse 83"/>
+          <p:cNvSpPr/>
+          <p:nvPr/>
+        </p:nvSpPr>
+        <p:spPr>
+          <a:xfrm>
+            <a:off x="2861355" y="3404282"/>
+            <a:ext cx="288000" cy="288000"/>
+          </a:xfrm>
+          <a:prstGeom prst="ellipse">
+            <a:avLst/>
+          </a:prstGeom>
+        </p:spPr>
+        <p:style>
+          <a:lnRef idx="0">
+            <a:schemeClr val="accent1"/>
+          </a:lnRef>
+          <a:fillRef idx="3">
+            <a:schemeClr val="accent1"/>
+          </a:fillRef>
+          <a:effectRef idx="3">
+            <a:schemeClr val="accent1"/>
+          </a:effectRef>
+          <a:fontRef idx="minor">
+            <a:schemeClr val="lt1"/>
+          </a:fontRef>
+        </p:style>
+        <p:txBody>
+          <a:bodyPr rtlCol="0" anchor="ctr"/>
+          <a:lstStyle/>
+          <a:p>
+            <a:pPr marL="0" marR="0" lvl="0" indent="0" algn="ctr" defTabSz="914400" rtl="0" eaLnBrk="0" fontAlgn="base" latinLnBrk="0" hangingPunct="0">
+              <a:lnSpc>
+                <a:spcPct val="100000"/>
+              </a:lnSpc>
+              <a:spcBef>
+                <a:spcPct val="0"/>
+              </a:spcBef>
+              <a:spcAft>
+                <a:spcPct val="0"/>
+              </a:spcAft>
+              <a:buClrTx/>
+              <a:buSzTx/>
+              <a:buFontTx/>
+              <a:buNone/>
+              <a:tabLst/>
+              <a:defRPr/>
+            </a:pPr>
+            <a:r>
+              <a:rPr kumimoji="0" lang="de-CH" sz="1600" b="0" i="0" u="none" strike="noStrike" kern="1200" cap="none" spc="0" normalizeH="0" baseline="0" noProof="0" dirty="0">
+                <a:ln>
+                  <a:noFill/>
+                </a:ln>
+                <a:solidFill>
+                  <a:srgbClr val="FFFFFF"/>
+                </a:solidFill>
+                <a:effectLst/>
+                <a:uLnTx/>
+                <a:uFillTx/>
+                <a:latin typeface="+mn-lt"/>
+                <a:ea typeface="+mn-ea"/>
+                <a:cs typeface="+mn-cs"/>
+              </a:rPr>
+              <a:t>3</a:t>
+            </a:r>
+          </a:p>
+        </p:txBody>
+      </p:sp>
+      <p:sp>
+        <p:nvSpPr>
+          <p:cNvPr id="85" name="Ellipse 84"/>
+          <p:cNvSpPr/>
+          <p:nvPr/>
+        </p:nvSpPr>
+        <p:spPr>
+          <a:xfrm>
+            <a:off x="6788791" y="1965757"/>
             <a:ext cx="288000" cy="288000"/>
           </a:xfrm>
           <a:prstGeom prst="ellipse">
@@ -2065,13 +2369,13 @@
       </p:sp>
       <p:sp>
         <p:nvSpPr>
-          <p:cNvPr id="82" name="Ellipse 81"/>
+          <p:cNvPr id="86" name="Ellipse 85"/>
           <p:cNvSpPr/>
           <p:nvPr/>
         </p:nvSpPr>
         <p:spPr>
           <a:xfrm>
-            <a:off x="2661022" y="3388048"/>
+            <a:off x="6788791" y="2909555"/>
             <a:ext cx="288000" cy="288000"/>
           </a:xfrm>
           <a:prstGeom prst="ellipse">
@@ -2135,13 +2439,83 @@
       </p:sp>
       <p:sp>
         <p:nvSpPr>
-          <p:cNvPr id="83" name="Ellipse 82"/>
+          <p:cNvPr id="87" name="Ellipse 86"/>
           <p:cNvSpPr/>
           <p:nvPr/>
         </p:nvSpPr>
         <p:spPr>
           <a:xfrm>
-            <a:off x="4390731" y="4371889"/>
+            <a:off x="6788791" y="3853353"/>
+            <a:ext cx="288000" cy="288000"/>
+          </a:xfrm>
+          <a:prstGeom prst="ellipse">
+            <a:avLst/>
+          </a:prstGeom>
+        </p:spPr>
+        <p:style>
+          <a:lnRef idx="0">
+            <a:schemeClr val="accent1"/>
+          </a:lnRef>
+          <a:fillRef idx="3">
+            <a:schemeClr val="accent1"/>
+          </a:fillRef>
+          <a:effectRef idx="3">
+            <a:schemeClr val="accent1"/>
+          </a:effectRef>
+          <a:fontRef idx="minor">
+            <a:schemeClr val="lt1"/>
+          </a:fontRef>
+        </p:style>
+        <p:txBody>
+          <a:bodyPr rtlCol="0" anchor="ctr"/>
+          <a:lstStyle/>
+          <a:p>
+            <a:pPr marL="0" marR="0" lvl="0" indent="0" algn="ctr" defTabSz="914400" rtl="0" eaLnBrk="0" fontAlgn="base" latinLnBrk="0" hangingPunct="0">
+              <a:lnSpc>
+                <a:spcPct val="100000"/>
+              </a:lnSpc>
+              <a:spcBef>
+                <a:spcPct val="0"/>
+              </a:spcBef>
+              <a:spcAft>
+                <a:spcPct val="0"/>
+              </a:spcAft>
+              <a:buClrTx/>
+              <a:buSzTx/>
+              <a:buFontTx/>
+              <a:buNone/>
+              <a:tabLst/>
+              <a:defRPr/>
+            </a:pPr>
+            <a:r>
+              <a:rPr kumimoji="0" lang="de-CH" sz="1600" b="0" i="0" u="none" strike="noStrike" kern="1200" cap="none" spc="0" normalizeH="0" baseline="0" noProof="0" dirty="0">
+                <a:ln>
+                  <a:noFill/>
+                </a:ln>
+                <a:solidFill>
+                  <a:srgbClr val="FFFFFF"/>
+                </a:solidFill>
+                <a:effectLst/>
+                <a:uLnTx/>
+                <a:uFillTx/>
+                <a:latin typeface="+mn-lt"/>
+                <a:ea typeface="+mn-ea"/>
+                <a:cs typeface="+mn-cs"/>
+              </a:rPr>
+              <a:t>3</a:t>
+            </a:r>
+          </a:p>
+        </p:txBody>
+      </p:sp>
+      <p:sp>
+        <p:nvSpPr>
+          <p:cNvPr id="88" name="Ellipse 87"/>
+          <p:cNvSpPr/>
+          <p:nvPr/>
+        </p:nvSpPr>
+        <p:spPr>
+          <a:xfrm>
+            <a:off x="6788791" y="4797151"/>
             <a:ext cx="288000" cy="288000"/>
           </a:xfrm>
           <a:prstGeom prst="ellipse">
@@ -2205,356 +2579,6 @@
       </p:sp>
       <p:sp>
         <p:nvSpPr>
-          <p:cNvPr id="84" name="Ellipse 83"/>
-          <p:cNvSpPr/>
-          <p:nvPr/>
-        </p:nvSpPr>
-        <p:spPr>
-          <a:xfrm>
-            <a:off x="3635922" y="3388048"/>
-            <a:ext cx="288000" cy="288000"/>
-          </a:xfrm>
-          <a:prstGeom prst="ellipse">
-            <a:avLst/>
-          </a:prstGeom>
-        </p:spPr>
-        <p:style>
-          <a:lnRef idx="0">
-            <a:schemeClr val="accent1"/>
-          </a:lnRef>
-          <a:fillRef idx="3">
-            <a:schemeClr val="accent1"/>
-          </a:fillRef>
-          <a:effectRef idx="3">
-            <a:schemeClr val="accent1"/>
-          </a:effectRef>
-          <a:fontRef idx="minor">
-            <a:schemeClr val="lt1"/>
-          </a:fontRef>
-        </p:style>
-        <p:txBody>
-          <a:bodyPr rtlCol="0" anchor="ctr"/>
-          <a:lstStyle/>
-          <a:p>
-            <a:pPr marL="0" marR="0" lvl="0" indent="0" algn="ctr" defTabSz="914400" rtl="0" eaLnBrk="0" fontAlgn="base" latinLnBrk="0" hangingPunct="0">
-              <a:lnSpc>
-                <a:spcPct val="100000"/>
-              </a:lnSpc>
-              <a:spcBef>
-                <a:spcPct val="0"/>
-              </a:spcBef>
-              <a:spcAft>
-                <a:spcPct val="0"/>
-              </a:spcAft>
-              <a:buClrTx/>
-              <a:buSzTx/>
-              <a:buFontTx/>
-              <a:buNone/>
-              <a:tabLst/>
-              <a:defRPr/>
-            </a:pPr>
-            <a:r>
-              <a:rPr kumimoji="0" lang="de-CH" sz="1600" b="0" i="0" u="none" strike="noStrike" kern="1200" cap="none" spc="0" normalizeH="0" baseline="0" noProof="0" dirty="0">
-                <a:ln>
-                  <a:noFill/>
-                </a:ln>
-                <a:solidFill>
-                  <a:srgbClr val="FFFFFF"/>
-                </a:solidFill>
-                <a:effectLst/>
-                <a:uLnTx/>
-                <a:uFillTx/>
-                <a:latin typeface="+mn-lt"/>
-                <a:ea typeface="+mn-ea"/>
-                <a:cs typeface="+mn-cs"/>
-              </a:rPr>
-              <a:t>3</a:t>
-            </a:r>
-          </a:p>
-        </p:txBody>
-      </p:sp>
-      <p:sp>
-        <p:nvSpPr>
-          <p:cNvPr id="85" name="Ellipse 84"/>
-          <p:cNvSpPr/>
-          <p:nvPr/>
-        </p:nvSpPr>
-        <p:spPr>
-          <a:xfrm>
-            <a:off x="6788791" y="1965757"/>
-            <a:ext cx="288000" cy="288000"/>
-          </a:xfrm>
-          <a:prstGeom prst="ellipse">
-            <a:avLst/>
-          </a:prstGeom>
-        </p:spPr>
-        <p:style>
-          <a:lnRef idx="0">
-            <a:schemeClr val="accent1"/>
-          </a:lnRef>
-          <a:fillRef idx="3">
-            <a:schemeClr val="accent1"/>
-          </a:fillRef>
-          <a:effectRef idx="3">
-            <a:schemeClr val="accent1"/>
-          </a:effectRef>
-          <a:fontRef idx="minor">
-            <a:schemeClr val="lt1"/>
-          </a:fontRef>
-        </p:style>
-        <p:txBody>
-          <a:bodyPr rtlCol="0" anchor="ctr"/>
-          <a:lstStyle/>
-          <a:p>
-            <a:pPr marL="0" marR="0" lvl="0" indent="0" algn="ctr" defTabSz="914400" rtl="0" eaLnBrk="0" fontAlgn="base" latinLnBrk="0" hangingPunct="0">
-              <a:lnSpc>
-                <a:spcPct val="100000"/>
-              </a:lnSpc>
-              <a:spcBef>
-                <a:spcPct val="0"/>
-              </a:spcBef>
-              <a:spcAft>
-                <a:spcPct val="0"/>
-              </a:spcAft>
-              <a:buClrTx/>
-              <a:buSzTx/>
-              <a:buFontTx/>
-              <a:buNone/>
-              <a:tabLst/>
-              <a:defRPr/>
-            </a:pPr>
-            <a:r>
-              <a:rPr kumimoji="0" lang="de-CH" sz="1600" b="0" i="0" u="none" strike="noStrike" kern="1200" cap="none" spc="0" normalizeH="0" baseline="0" noProof="0" dirty="0">
-                <a:ln>
-                  <a:noFill/>
-                </a:ln>
-                <a:solidFill>
-                  <a:srgbClr val="FFFFFF"/>
-                </a:solidFill>
-                <a:effectLst/>
-                <a:uLnTx/>
-                <a:uFillTx/>
-                <a:latin typeface="+mn-lt"/>
-                <a:ea typeface="+mn-ea"/>
-                <a:cs typeface="+mn-cs"/>
-              </a:rPr>
-              <a:t>1</a:t>
-            </a:r>
-          </a:p>
-        </p:txBody>
-      </p:sp>
-      <p:sp>
-        <p:nvSpPr>
-          <p:cNvPr id="86" name="Ellipse 85"/>
-          <p:cNvSpPr/>
-          <p:nvPr/>
-        </p:nvSpPr>
-        <p:spPr>
-          <a:xfrm>
-            <a:off x="6788791" y="2909555"/>
-            <a:ext cx="288000" cy="288000"/>
-          </a:xfrm>
-          <a:prstGeom prst="ellipse">
-            <a:avLst/>
-          </a:prstGeom>
-        </p:spPr>
-        <p:style>
-          <a:lnRef idx="0">
-            <a:schemeClr val="accent1"/>
-          </a:lnRef>
-          <a:fillRef idx="3">
-            <a:schemeClr val="accent1"/>
-          </a:fillRef>
-          <a:effectRef idx="3">
-            <a:schemeClr val="accent1"/>
-          </a:effectRef>
-          <a:fontRef idx="minor">
-            <a:schemeClr val="lt1"/>
-          </a:fontRef>
-        </p:style>
-        <p:txBody>
-          <a:bodyPr rtlCol="0" anchor="ctr"/>
-          <a:lstStyle/>
-          <a:p>
-            <a:pPr marL="0" marR="0" lvl="0" indent="0" algn="ctr" defTabSz="914400" rtl="0" eaLnBrk="0" fontAlgn="base" latinLnBrk="0" hangingPunct="0">
-              <a:lnSpc>
-                <a:spcPct val="100000"/>
-              </a:lnSpc>
-              <a:spcBef>
-                <a:spcPct val="0"/>
-              </a:spcBef>
-              <a:spcAft>
-                <a:spcPct val="0"/>
-              </a:spcAft>
-              <a:buClrTx/>
-              <a:buSzTx/>
-              <a:buFontTx/>
-              <a:buNone/>
-              <a:tabLst/>
-              <a:defRPr/>
-            </a:pPr>
-            <a:r>
-              <a:rPr kumimoji="0" lang="de-CH" sz="1600" b="0" i="0" u="none" strike="noStrike" kern="1200" cap="none" spc="0" normalizeH="0" baseline="0" noProof="0" dirty="0">
-                <a:ln>
-                  <a:noFill/>
-                </a:ln>
-                <a:solidFill>
-                  <a:srgbClr val="FFFFFF"/>
-                </a:solidFill>
-                <a:effectLst/>
-                <a:uLnTx/>
-                <a:uFillTx/>
-                <a:latin typeface="+mn-lt"/>
-                <a:ea typeface="+mn-ea"/>
-                <a:cs typeface="+mn-cs"/>
-              </a:rPr>
-              <a:t>2</a:t>
-            </a:r>
-          </a:p>
-        </p:txBody>
-      </p:sp>
-      <p:sp>
-        <p:nvSpPr>
-          <p:cNvPr id="87" name="Ellipse 86"/>
-          <p:cNvSpPr/>
-          <p:nvPr/>
-        </p:nvSpPr>
-        <p:spPr>
-          <a:xfrm>
-            <a:off x="6788791" y="3853353"/>
-            <a:ext cx="288000" cy="288000"/>
-          </a:xfrm>
-          <a:prstGeom prst="ellipse">
-            <a:avLst/>
-          </a:prstGeom>
-        </p:spPr>
-        <p:style>
-          <a:lnRef idx="0">
-            <a:schemeClr val="accent1"/>
-          </a:lnRef>
-          <a:fillRef idx="3">
-            <a:schemeClr val="accent1"/>
-          </a:fillRef>
-          <a:effectRef idx="3">
-            <a:schemeClr val="accent1"/>
-          </a:effectRef>
-          <a:fontRef idx="minor">
-            <a:schemeClr val="lt1"/>
-          </a:fontRef>
-        </p:style>
-        <p:txBody>
-          <a:bodyPr rtlCol="0" anchor="ctr"/>
-          <a:lstStyle/>
-          <a:p>
-            <a:pPr marL="0" marR="0" lvl="0" indent="0" algn="ctr" defTabSz="914400" rtl="0" eaLnBrk="0" fontAlgn="base" latinLnBrk="0" hangingPunct="0">
-              <a:lnSpc>
-                <a:spcPct val="100000"/>
-              </a:lnSpc>
-              <a:spcBef>
-                <a:spcPct val="0"/>
-              </a:spcBef>
-              <a:spcAft>
-                <a:spcPct val="0"/>
-              </a:spcAft>
-              <a:buClrTx/>
-              <a:buSzTx/>
-              <a:buFontTx/>
-              <a:buNone/>
-              <a:tabLst/>
-              <a:defRPr/>
-            </a:pPr>
-            <a:r>
-              <a:rPr kumimoji="0" lang="de-CH" sz="1600" b="0" i="0" u="none" strike="noStrike" kern="1200" cap="none" spc="0" normalizeH="0" baseline="0" noProof="0" dirty="0">
-                <a:ln>
-                  <a:noFill/>
-                </a:ln>
-                <a:solidFill>
-                  <a:srgbClr val="FFFFFF"/>
-                </a:solidFill>
-                <a:effectLst/>
-                <a:uLnTx/>
-                <a:uFillTx/>
-                <a:latin typeface="+mn-lt"/>
-                <a:ea typeface="+mn-ea"/>
-                <a:cs typeface="+mn-cs"/>
-              </a:rPr>
-              <a:t>3</a:t>
-            </a:r>
-          </a:p>
-        </p:txBody>
-      </p:sp>
-      <p:sp>
-        <p:nvSpPr>
-          <p:cNvPr id="88" name="Ellipse 87"/>
-          <p:cNvSpPr/>
-          <p:nvPr/>
-        </p:nvSpPr>
-        <p:spPr>
-          <a:xfrm>
-            <a:off x="6788791" y="4797151"/>
-            <a:ext cx="288000" cy="288000"/>
-          </a:xfrm>
-          <a:prstGeom prst="ellipse">
-            <a:avLst/>
-          </a:prstGeom>
-        </p:spPr>
-        <p:style>
-          <a:lnRef idx="0">
-            <a:schemeClr val="accent1"/>
-          </a:lnRef>
-          <a:fillRef idx="3">
-            <a:schemeClr val="accent1"/>
-          </a:fillRef>
-          <a:effectRef idx="3">
-            <a:schemeClr val="accent1"/>
-          </a:effectRef>
-          <a:fontRef idx="minor">
-            <a:schemeClr val="lt1"/>
-          </a:fontRef>
-        </p:style>
-        <p:txBody>
-          <a:bodyPr rtlCol="0" anchor="ctr"/>
-          <a:lstStyle/>
-          <a:p>
-            <a:pPr marL="0" marR="0" lvl="0" indent="0" algn="ctr" defTabSz="914400" rtl="0" eaLnBrk="0" fontAlgn="base" latinLnBrk="0" hangingPunct="0">
-              <a:lnSpc>
-                <a:spcPct val="100000"/>
-              </a:lnSpc>
-              <a:spcBef>
-                <a:spcPct val="0"/>
-              </a:spcBef>
-              <a:spcAft>
-                <a:spcPct val="0"/>
-              </a:spcAft>
-              <a:buClrTx/>
-              <a:buSzTx/>
-              <a:buFontTx/>
-              <a:buNone/>
-              <a:tabLst/>
-              <a:defRPr/>
-            </a:pPr>
-            <a:r>
-              <a:rPr kumimoji="0" lang="de-CH" sz="1600" b="0" i="0" u="none" strike="noStrike" kern="1200" cap="none" spc="0" normalizeH="0" baseline="0" noProof="0" dirty="0">
-                <a:ln>
-                  <a:noFill/>
-                </a:ln>
-                <a:solidFill>
-                  <a:srgbClr val="FFFFFF"/>
-                </a:solidFill>
-                <a:effectLst/>
-                <a:uLnTx/>
-                <a:uFillTx/>
-                <a:latin typeface="+mn-lt"/>
-                <a:ea typeface="+mn-ea"/>
-                <a:cs typeface="+mn-cs"/>
-              </a:rPr>
-              <a:t>4</a:t>
-            </a:r>
-          </a:p>
-        </p:txBody>
-      </p:sp>
-      <p:sp>
-        <p:nvSpPr>
           <p:cNvPr id="89" name="Textfeld 88"/>
           <p:cNvSpPr txBox="1"/>
           <p:nvPr/>
@@ -2562,7 +2586,7 @@
         <p:spPr>
           <a:xfrm>
             <a:off x="7072188" y="1916832"/>
-            <a:ext cx="3159409" cy="523220"/>
+            <a:ext cx="3159409" cy="307777"/>
           </a:xfrm>
           <a:prstGeom prst="rect">
             <a:avLst/>
@@ -2575,94 +2599,56 @@
           </a:bodyPr>
           <a:lstStyle/>
           <a:p>
-            <a:pPr marL="0" marR="0" lvl="0" indent="0" algn="l" defTabSz="914400" rtl="0" eaLnBrk="0" fontAlgn="base" latinLnBrk="0" hangingPunct="0">
-              <a:lnSpc>
-                <a:spcPct val="100000"/>
-              </a:lnSpc>
+            <a:pPr lvl="0" eaLnBrk="0" fontAlgn="base" hangingPunct="0">
               <a:spcBef>
                 <a:spcPct val="0"/>
               </a:spcBef>
               <a:spcAft>
                 <a:spcPct val="0"/>
               </a:spcAft>
-              <a:buClrTx/>
-              <a:buSzTx/>
-              <a:buFontTx/>
-              <a:buNone/>
-              <a:tabLst/>
               <a:defRPr/>
             </a:pPr>
             <a:r>
-              <a:rPr kumimoji="0" lang="de-CH" sz="1600" b="1" i="0" u="none" strike="noStrike" kern="1200" cap="none" spc="0" normalizeH="0" baseline="0" noProof="0" dirty="0">
-                <a:ln>
-                  <a:noFill/>
-                </a:ln>
+              <a:rPr lang="de-CH" sz="1400" dirty="0" err="1" smtClean="0">
                 <a:solidFill>
                   <a:srgbClr val="000000"/>
                 </a:solidFill>
-                <a:effectLst/>
-                <a:uLnTx/>
-                <a:uFillTx/>
                 <a:latin typeface="Arial" panose="020B0604020202020204" pitchFamily="34" charset="0"/>
-                <a:ea typeface="+mn-ea"/>
                 <a:cs typeface="Arial" panose="020B0604020202020204" pitchFamily="34" charset="0"/>
               </a:rPr>
-              <a:t>Security</a:t>
+              <a:t>SpringBoot</a:t>
             </a:r>
-          </a:p>
-          <a:p>
-            <a:pPr marL="0" marR="0" lvl="0" indent="0" algn="l" defTabSz="914400" rtl="0" eaLnBrk="0" fontAlgn="base" latinLnBrk="0" hangingPunct="0">
-              <a:lnSpc>
-                <a:spcPct val="100000"/>
-              </a:lnSpc>
-              <a:spcBef>
-                <a:spcPct val="0"/>
-              </a:spcBef>
-              <a:spcAft>
-                <a:spcPct val="0"/>
-              </a:spcAft>
-              <a:buClrTx/>
-              <a:buSzTx/>
-              <a:buFontTx/>
-              <a:buNone/>
-              <a:tabLst/>
-              <a:defRPr/>
-            </a:pPr>
             <a:r>
-              <a:rPr kumimoji="0" lang="de-CH" sz="1200" b="0" i="0" u="none" strike="noStrike" kern="1200" cap="none" spc="0" normalizeH="0" baseline="0" noProof="0" dirty="0">
-                <a:ln>
-                  <a:noFill/>
-                </a:ln>
+              <a:rPr lang="de-CH" sz="1400" dirty="0" smtClean="0">
                 <a:solidFill>
                   <a:srgbClr val="000000"/>
                 </a:solidFill>
-                <a:effectLst/>
-                <a:uLnTx/>
-                <a:uFillTx/>
                 <a:latin typeface="Arial" panose="020B0604020202020204" pitchFamily="34" charset="0"/>
-                <a:ea typeface="+mn-ea"/>
                 <a:cs typeface="Arial" panose="020B0604020202020204" pitchFamily="34" charset="0"/>
               </a:rPr>
-              <a:t>Es treten </a:t>
+              <a:t> </a:t>
             </a:r>
             <a:r>
-              <a:rPr kumimoji="0" lang="de-CH" sz="1200" b="0" i="0" u="none" strike="noStrike" kern="1200" cap="none" spc="0" normalizeH="0" baseline="0" noProof="0" dirty="0" err="1">
-                <a:ln>
-                  <a:noFill/>
-                </a:ln>
+              <a:rPr lang="de-CH" sz="1400" dirty="0">
                 <a:solidFill>
                   <a:srgbClr val="000000"/>
                 </a:solidFill>
-                <a:effectLst/>
-                <a:uLnTx/>
-                <a:uFillTx/>
                 <a:latin typeface="Arial" panose="020B0604020202020204" pitchFamily="34" charset="0"/>
-                <a:ea typeface="+mn-ea"/>
                 <a:cs typeface="Arial" panose="020B0604020202020204" pitchFamily="34" charset="0"/>
               </a:rPr>
-              <a:t>Sicherheitslückenauf</a:t>
+              <a:t>Framework zu </a:t>
             </a:r>
-            <a:endParaRPr kumimoji="0" lang="de-CH" sz="2200" b="1" i="0" u="none" strike="noStrike" kern="1200" cap="none" spc="0" normalizeH="0" baseline="0" noProof="0" dirty="0">
+            <a:r>
+              <a:rPr lang="de-CH" sz="1400" dirty="0" smtClean="0">
+                <a:solidFill>
+                  <a:srgbClr val="000000"/>
+                </a:solidFill>
+                <a:latin typeface="Arial" panose="020B0604020202020204" pitchFamily="34" charset="0"/>
+                <a:cs typeface="Arial" panose="020B0604020202020204" pitchFamily="34" charset="0"/>
+              </a:rPr>
+              <a:t>komplex</a:t>
+            </a:r>
+            <a:endParaRPr kumimoji="0" lang="de-CH" sz="1400" b="1" i="0" u="none" strike="noStrike" kern="1200" cap="none" spc="0" normalizeH="0" baseline="0" noProof="0" dirty="0">
               <a:ln>
                 <a:noFill/>
               </a:ln>
@@ -2673,7 +2659,6 @@
               <a:uLnTx/>
               <a:uFillTx/>
               <a:latin typeface="Arial" panose="020B0604020202020204" pitchFamily="34" charset="0"/>
-              <a:ea typeface="+mn-ea"/>
               <a:cs typeface="Arial" panose="020B0604020202020204" pitchFamily="34" charset="0"/>
             </a:endParaRPr>
           </a:p>
@@ -2688,7 +2673,7 @@
         <p:spPr>
           <a:xfrm>
             <a:off x="7072188" y="2865908"/>
-            <a:ext cx="3159409" cy="707886"/>
+            <a:ext cx="3159409" cy="523220"/>
           </a:xfrm>
           <a:prstGeom prst="rect">
             <a:avLst/>
@@ -2701,77 +2686,26 @@
           </a:bodyPr>
           <a:lstStyle/>
           <a:p>
-            <a:pPr marL="0" marR="0" lvl="0" indent="0" algn="l" defTabSz="914400" rtl="0" eaLnBrk="0" fontAlgn="base" latinLnBrk="0" hangingPunct="0">
-              <a:lnSpc>
-                <a:spcPct val="100000"/>
-              </a:lnSpc>
+            <a:pPr eaLnBrk="0" fontAlgn="base" hangingPunct="0">
               <a:spcBef>
                 <a:spcPct val="0"/>
               </a:spcBef>
               <a:spcAft>
                 <a:spcPct val="0"/>
               </a:spcAft>
-              <a:buClrTx/>
-              <a:buSzTx/>
-              <a:buFontTx/>
-              <a:buNone/>
-              <a:tabLst/>
               <a:defRPr/>
             </a:pPr>
             <a:r>
-              <a:rPr kumimoji="0" lang="de-CH" sz="1600" b="1" i="0" u="none" strike="noStrike" kern="1200" cap="none" spc="0" normalizeH="0" baseline="0" noProof="0" dirty="0">
-                <a:ln>
-                  <a:noFill/>
-                </a:ln>
+              <a:rPr lang="de-CH" sz="1400" dirty="0" smtClean="0">
                 <a:solidFill>
                   <a:srgbClr val="000000"/>
                 </a:solidFill>
-                <a:effectLst/>
-                <a:uLnTx/>
-                <a:uFillTx/>
                 <a:latin typeface="Arial" panose="020B0604020202020204" pitchFamily="34" charset="0"/>
-                <a:ea typeface="+mn-ea"/>
                 <a:cs typeface="Arial" panose="020B0604020202020204" pitchFamily="34" charset="0"/>
               </a:rPr>
-              <a:t>Rechtliche Anforderungen</a:t>
+              <a:t>Auswertung der Prüfungsaufgaben-Identifikation zu aufwändig</a:t>
             </a:r>
-          </a:p>
-          <a:p>
-            <a:pPr marL="0" marR="0" lvl="0" indent="0" algn="l" defTabSz="914400" rtl="0" eaLnBrk="0" fontAlgn="base" latinLnBrk="0" hangingPunct="0">
-              <a:lnSpc>
-                <a:spcPct val="100000"/>
-              </a:lnSpc>
-              <a:spcBef>
-                <a:spcPct val="0"/>
-              </a:spcBef>
-              <a:spcAft>
-                <a:spcPct val="0"/>
-              </a:spcAft>
-              <a:buClrTx/>
-              <a:buSzTx/>
-              <a:buFontTx/>
-              <a:buNone/>
-              <a:tabLst/>
-              <a:defRPr/>
-            </a:pPr>
-            <a:r>
-              <a:rPr kumimoji="0" lang="de-CH" sz="1200" b="0" i="0" u="none" strike="noStrike" kern="1200" cap="none" spc="0" normalizeH="0" baseline="0" noProof="0" dirty="0">
-                <a:ln>
-                  <a:noFill/>
-                </a:ln>
-                <a:solidFill>
-                  <a:srgbClr val="000000"/>
-                </a:solidFill>
-                <a:effectLst/>
-                <a:uLnTx/>
-                <a:uFillTx/>
-                <a:latin typeface="Arial" panose="020B0604020202020204" pitchFamily="34" charset="0"/>
-                <a:ea typeface="+mn-ea"/>
-                <a:cs typeface="Arial" panose="020B0604020202020204" pitchFamily="34" charset="0"/>
-              </a:rPr>
-              <a:t>Durch rechtliche Anforderungen können gewisse Features nicht umgesetzt werden</a:t>
-            </a:r>
-            <a:endParaRPr kumimoji="0" lang="de-CH" sz="2200" b="1" i="0" u="none" strike="noStrike" kern="1200" cap="none" spc="0" normalizeH="0" baseline="0" noProof="0" dirty="0">
+            <a:endParaRPr kumimoji="0" lang="de-CH" sz="1400" b="1" i="0" u="none" strike="noStrike" kern="1200" cap="none" spc="0" normalizeH="0" baseline="0" noProof="0" dirty="0">
               <a:ln>
                 <a:noFill/>
               </a:ln>
@@ -2782,7 +2716,6 @@
               <a:uLnTx/>
               <a:uFillTx/>
               <a:latin typeface="Arial" panose="020B0604020202020204" pitchFamily="34" charset="0"/>
-              <a:ea typeface="+mn-ea"/>
               <a:cs typeface="Arial" panose="020B0604020202020204" pitchFamily="34" charset="0"/>
             </a:endParaRPr>
           </a:p>
@@ -2797,7 +2730,7 @@
         <p:spPr>
           <a:xfrm>
             <a:off x="7072188" y="3814984"/>
-            <a:ext cx="3159409" cy="1046440"/>
+            <a:ext cx="3159409" cy="523220"/>
           </a:xfrm>
           <a:prstGeom prst="rect">
             <a:avLst/>
@@ -2810,92 +2743,46 @@
           </a:bodyPr>
           <a:lstStyle/>
           <a:p>
-            <a:pPr marL="0" marR="0" lvl="0" indent="0" algn="l" defTabSz="914400" rtl="0" eaLnBrk="0" fontAlgn="base" latinLnBrk="0" hangingPunct="0">
-              <a:lnSpc>
-                <a:spcPct val="100000"/>
-              </a:lnSpc>
+            <a:pPr lvl="0" eaLnBrk="0" fontAlgn="base" hangingPunct="0">
               <a:spcBef>
                 <a:spcPct val="0"/>
               </a:spcBef>
               <a:spcAft>
                 <a:spcPct val="0"/>
               </a:spcAft>
-              <a:buClrTx/>
-              <a:buSzTx/>
-              <a:buFontTx/>
-              <a:buNone/>
-              <a:tabLst/>
               <a:defRPr/>
             </a:pPr>
             <a:r>
-              <a:rPr kumimoji="0" lang="de-CH" sz="1600" b="1" i="0" u="none" strike="noStrike" kern="1200" cap="none" spc="0" normalizeH="0" baseline="0" noProof="0" dirty="0">
-                <a:ln>
-                  <a:noFill/>
-                </a:ln>
+              <a:rPr lang="de-CH" sz="1400" dirty="0" smtClean="0">
                 <a:solidFill>
                   <a:srgbClr val="000000"/>
                 </a:solidFill>
-                <a:effectLst/>
-                <a:uLnTx/>
-                <a:uFillTx/>
                 <a:latin typeface="Arial" panose="020B0604020202020204" pitchFamily="34" charset="0"/>
-                <a:ea typeface="+mn-ea"/>
                 <a:cs typeface="Arial" panose="020B0604020202020204" pitchFamily="34" charset="0"/>
               </a:rPr>
-              <a:t>Time-</a:t>
+              <a:t>Prüfungskorrekturen </a:t>
             </a:r>
             <a:r>
-              <a:rPr kumimoji="0" lang="de-CH" sz="1600" b="1" i="0" u="none" strike="noStrike" kern="1200" cap="none" spc="0" normalizeH="0" baseline="0" noProof="0" dirty="0" err="1">
-                <a:ln>
-                  <a:noFill/>
-                </a:ln>
+              <a:rPr lang="de-CH" sz="1400" dirty="0">
                 <a:solidFill>
                   <a:srgbClr val="000000"/>
                 </a:solidFill>
-                <a:effectLst/>
-                <a:uLnTx/>
-                <a:uFillTx/>
                 <a:latin typeface="Arial" panose="020B0604020202020204" pitchFamily="34" charset="0"/>
-                <a:ea typeface="+mn-ea"/>
                 <a:cs typeface="Arial" panose="020B0604020202020204" pitchFamily="34" charset="0"/>
               </a:rPr>
-              <a:t>to</a:t>
+              <a:t>direkt in den Aufgabenbildern nicht </a:t>
             </a:r>
             <a:r>
-              <a:rPr kumimoji="0" lang="de-CH" sz="1600" b="1" i="0" u="none" strike="noStrike" kern="1200" cap="none" spc="0" normalizeH="0" baseline="0" noProof="0" dirty="0">
-                <a:ln>
-                  <a:noFill/>
-                </a:ln>
+              <a:rPr lang="de-CH" sz="1400" dirty="0" smtClean="0">
                 <a:solidFill>
                   <a:srgbClr val="000000"/>
                 </a:solidFill>
-                <a:effectLst/>
-                <a:uLnTx/>
-                <a:uFillTx/>
                 <a:latin typeface="Arial" panose="020B0604020202020204" pitchFamily="34" charset="0"/>
-                <a:ea typeface="+mn-ea"/>
                 <a:cs typeface="Arial" panose="020B0604020202020204" pitchFamily="34" charset="0"/>
               </a:rPr>
-              <a:t>-</a:t>
+              <a:t>umsetzbar</a:t>
             </a:r>
-            <a:r>
-              <a:rPr kumimoji="0" lang="de-CH" sz="1600" b="1" i="0" u="none" strike="noStrike" kern="1200" cap="none" spc="0" normalizeH="0" baseline="0" noProof="0" dirty="0" err="1">
-                <a:ln>
-                  <a:noFill/>
-                </a:ln>
-                <a:solidFill>
-                  <a:srgbClr val="000000"/>
-                </a:solidFill>
-                <a:effectLst/>
-                <a:uLnTx/>
-                <a:uFillTx/>
-                <a:latin typeface="Arial" panose="020B0604020202020204" pitchFamily="34" charset="0"/>
-                <a:ea typeface="+mn-ea"/>
-                <a:cs typeface="Arial" panose="020B0604020202020204" pitchFamily="34" charset="0"/>
-              </a:rPr>
-              <a:t>market</a:t>
-            </a:r>
-            <a:endParaRPr kumimoji="0" lang="de-CH" sz="1600" b="1" i="0" u="none" strike="noStrike" kern="1200" cap="none" spc="0" normalizeH="0" baseline="0" noProof="0" dirty="0">
+            <a:endParaRPr kumimoji="0" lang="de-CH" sz="1400" b="0" i="0" u="none" strike="noStrike" kern="1200" cap="none" spc="0" normalizeH="0" baseline="0" noProof="0" dirty="0">
               <a:ln>
                 <a:noFill/>
               </a:ln>
@@ -2906,65 +2793,63 @@
               <a:uLnTx/>
               <a:uFillTx/>
               <a:latin typeface="Arial" panose="020B0604020202020204" pitchFamily="34" charset="0"/>
-              <a:ea typeface="+mn-ea"/>
               <a:cs typeface="Arial" panose="020B0604020202020204" pitchFamily="34" charset="0"/>
             </a:endParaRPr>
           </a:p>
-          <a:p>
-            <a:pPr marL="0" marR="0" lvl="0" indent="0" algn="l" defTabSz="914400" rtl="0" eaLnBrk="0" fontAlgn="base" latinLnBrk="0" hangingPunct="0">
-              <a:lnSpc>
-                <a:spcPct val="100000"/>
-              </a:lnSpc>
+        </p:txBody>
+      </p:sp>
+      <p:sp>
+        <p:nvSpPr>
+          <p:cNvPr id="92" name="Textfeld 91"/>
+          <p:cNvSpPr txBox="1"/>
+          <p:nvPr/>
+        </p:nvSpPr>
+        <p:spPr>
+          <a:xfrm>
+            <a:off x="7072188" y="4764060"/>
+            <a:ext cx="3159409" cy="523220"/>
+          </a:xfrm>
+          <a:prstGeom prst="rect">
+            <a:avLst/>
+          </a:prstGeom>
+          <a:noFill/>
+        </p:spPr>
+        <p:txBody>
+          <a:bodyPr wrap="square" rtlCol="0">
+            <a:spAutoFit/>
+          </a:bodyPr>
+          <a:lstStyle/>
+          <a:p>
+            <a:pPr lvl="0" eaLnBrk="0" fontAlgn="base" hangingPunct="0">
               <a:spcBef>
                 <a:spcPct val="0"/>
               </a:spcBef>
               <a:spcAft>
                 <a:spcPct val="0"/>
               </a:spcAft>
-              <a:buClrTx/>
-              <a:buSzTx/>
-              <a:buFontTx/>
-              <a:buNone/>
-              <a:tabLst/>
               <a:defRPr/>
             </a:pPr>
             <a:r>
-              <a:rPr kumimoji="0" lang="de-CH" sz="1200" b="0" i="0" u="none" strike="noStrike" kern="1200" cap="none" spc="0" normalizeH="0" baseline="0" noProof="0" dirty="0">
-                <a:ln>
-                  <a:noFill/>
-                </a:ln>
+              <a:rPr lang="de-CH" sz="1400" dirty="0" smtClean="0">
                 <a:solidFill>
                   <a:srgbClr val="000000"/>
                 </a:solidFill>
-                <a:effectLst/>
-                <a:uLnTx/>
-                <a:uFillTx/>
                 <a:latin typeface="Arial" panose="020B0604020202020204" pitchFamily="34" charset="0"/>
-                <a:ea typeface="+mn-ea"/>
                 <a:cs typeface="Arial" panose="020B0604020202020204" pitchFamily="34" charset="0"/>
               </a:rPr>
-              <a:t>Ein Konkurrenzangebot kommt schneller auf den Markt</a:t>
+              <a:t>Unerwartete </a:t>
             </a:r>
-          </a:p>
-          <a:p>
-            <a:pPr marL="0" marR="0" lvl="0" indent="0" algn="l" defTabSz="914400" rtl="0" eaLnBrk="0" fontAlgn="base" latinLnBrk="0" hangingPunct="0">
-              <a:lnSpc>
-                <a:spcPct val="100000"/>
-              </a:lnSpc>
-              <a:spcBef>
-                <a:spcPct val="0"/>
-              </a:spcBef>
-              <a:spcAft>
-                <a:spcPct val="0"/>
-              </a:spcAft>
-              <a:buClrTx/>
-              <a:buSzTx/>
-              <a:buFontTx/>
-              <a:buNone/>
-              <a:tabLst/>
-              <a:defRPr/>
-            </a:pPr>
-            <a:endParaRPr kumimoji="0" lang="de-CH" sz="2200" b="1" i="0" u="none" strike="noStrike" kern="1200" cap="none" spc="0" normalizeH="0" baseline="0" noProof="0" dirty="0">
+            <a:r>
+              <a:rPr lang="de-CH" sz="1400" dirty="0">
+                <a:solidFill>
+                  <a:srgbClr val="000000"/>
+                </a:solidFill>
+                <a:latin typeface="Arial" panose="020B0604020202020204" pitchFamily="34" charset="0"/>
+                <a:cs typeface="Arial" panose="020B0604020202020204" pitchFamily="34" charset="0"/>
+              </a:rPr>
+              <a:t>Komplexität im HSR Prüfungsprozess</a:t>
+            </a:r>
+            <a:endParaRPr kumimoji="0" lang="de-CH" sz="1400" b="1" i="0" u="none" strike="noStrike" kern="1200" cap="none" spc="0" normalizeH="0" baseline="0" noProof="0" dirty="0">
               <a:ln>
                 <a:noFill/>
               </a:ln>
@@ -2975,116 +2860,6 @@
               <a:uLnTx/>
               <a:uFillTx/>
               <a:latin typeface="Arial" panose="020B0604020202020204" pitchFamily="34" charset="0"/>
-              <a:ea typeface="+mn-ea"/>
-              <a:cs typeface="Arial" panose="020B0604020202020204" pitchFamily="34" charset="0"/>
-            </a:endParaRPr>
-          </a:p>
-        </p:txBody>
-      </p:sp>
-      <p:sp>
-        <p:nvSpPr>
-          <p:cNvPr id="92" name="Textfeld 91"/>
-          <p:cNvSpPr txBox="1"/>
-          <p:nvPr/>
-        </p:nvSpPr>
-        <p:spPr>
-          <a:xfrm>
-            <a:off x="7072188" y="4764060"/>
-            <a:ext cx="3159409" cy="707886"/>
-          </a:xfrm>
-          <a:prstGeom prst="rect">
-            <a:avLst/>
-          </a:prstGeom>
-          <a:noFill/>
-        </p:spPr>
-        <p:txBody>
-          <a:bodyPr wrap="square" rtlCol="0">
-            <a:spAutoFit/>
-          </a:bodyPr>
-          <a:lstStyle/>
-          <a:p>
-            <a:pPr marL="0" marR="0" lvl="0" indent="0" algn="l" defTabSz="914400" rtl="0" eaLnBrk="0" fontAlgn="base" latinLnBrk="0" hangingPunct="0">
-              <a:lnSpc>
-                <a:spcPct val="100000"/>
-              </a:lnSpc>
-              <a:spcBef>
-                <a:spcPct val="0"/>
-              </a:spcBef>
-              <a:spcAft>
-                <a:spcPct val="0"/>
-              </a:spcAft>
-              <a:buClrTx/>
-              <a:buSzTx/>
-              <a:buFontTx/>
-              <a:buNone/>
-              <a:tabLst/>
-              <a:defRPr/>
-            </a:pPr>
-            <a:r>
-              <a:rPr kumimoji="0" lang="de-CH" sz="1600" b="1" i="0" u="none" strike="noStrike" kern="1200" cap="none" spc="0" normalizeH="0" baseline="0" noProof="0" dirty="0">
-                <a:ln>
-                  <a:noFill/>
-                </a:ln>
-                <a:solidFill>
-                  <a:srgbClr val="000000"/>
-                </a:solidFill>
-                <a:effectLst/>
-                <a:uLnTx/>
-                <a:uFillTx/>
-                <a:latin typeface="Arial" panose="020B0604020202020204" pitchFamily="34" charset="0"/>
-                <a:ea typeface="+mn-ea"/>
-                <a:cs typeface="Arial" panose="020B0604020202020204" pitchFamily="34" charset="0"/>
-              </a:rPr>
-              <a:t>Nutzerzahlen zu tief</a:t>
-            </a:r>
-          </a:p>
-          <a:p>
-            <a:pPr marL="0" marR="0" lvl="0" indent="0" algn="l" defTabSz="914400" rtl="0" eaLnBrk="0" fontAlgn="base" latinLnBrk="0" hangingPunct="0">
-              <a:lnSpc>
-                <a:spcPct val="100000"/>
-              </a:lnSpc>
-              <a:spcBef>
-                <a:spcPct val="0"/>
-              </a:spcBef>
-              <a:spcAft>
-                <a:spcPct val="0"/>
-              </a:spcAft>
-              <a:buClrTx/>
-              <a:buSzTx/>
-              <a:buFontTx/>
-              <a:buNone/>
-              <a:tabLst/>
-              <a:defRPr/>
-            </a:pPr>
-            <a:r>
-              <a:rPr kumimoji="0" lang="de-CH" sz="1200" b="0" i="0" u="none" strike="noStrike" kern="1200" cap="none" spc="0" normalizeH="0" baseline="0" noProof="0" dirty="0">
-                <a:ln>
-                  <a:noFill/>
-                </a:ln>
-                <a:solidFill>
-                  <a:srgbClr val="000000"/>
-                </a:solidFill>
-                <a:effectLst/>
-                <a:uLnTx/>
-                <a:uFillTx/>
-                <a:latin typeface="Arial" panose="020B0604020202020204" pitchFamily="34" charset="0"/>
-                <a:ea typeface="+mn-ea"/>
-                <a:cs typeface="Arial" panose="020B0604020202020204" pitchFamily="34" charset="0"/>
-              </a:rPr>
-              <a:t>App wird nicht genutzt und der Betrieb rentiert sich dadurch nicht</a:t>
-            </a:r>
-            <a:endParaRPr kumimoji="0" lang="de-CH" sz="2200" b="1" i="0" u="none" strike="noStrike" kern="1200" cap="none" spc="0" normalizeH="0" baseline="0" noProof="0" dirty="0">
-              <a:ln>
-                <a:noFill/>
-              </a:ln>
-              <a:solidFill>
-                <a:srgbClr val="000000"/>
-              </a:solidFill>
-              <a:effectLst/>
-              <a:uLnTx/>
-              <a:uFillTx/>
-              <a:latin typeface="Arial" panose="020B0604020202020204" pitchFamily="34" charset="0"/>
-              <a:ea typeface="+mn-ea"/>
               <a:cs typeface="Arial" panose="020B0604020202020204" pitchFamily="34" charset="0"/>
             </a:endParaRPr>
           </a:p>

--- a/docs/projektplan/Risikoanalyse.pptx
+++ b/docs/projektplan/Risikoanalyse.pptx
@@ -198,7 +198,7 @@
           <a:p>
             <a:fld id="{9C767A10-E48D-48DC-B8F1-7E91AACA70F7}" type="datetimeFigureOut">
               <a:rPr lang="de-CH" smtClean="0"/>
-              <a:t>02.03.17</a:t>
+              <a:t>03.03.17</a:t>
             </a:fld>
             <a:endParaRPr lang="de-CH"/>
           </a:p>
@@ -301,7 +301,7 @@
           <a:graphicData uri="http://schemas.openxmlformats.org/presentationml/2006/ole">
             <mc:AlternateContent xmlns:mc="http://schemas.openxmlformats.org/markup-compatibility/2006">
               <mc:Choice xmlns:v="urn:schemas-microsoft-com:vml" Requires="v">
-                <p:oleObj spid="_x0000_s1029" name="think-cell Folie" r:id="rId5" imgW="372" imgH="369" progId="TCLayout.ActiveDocument.1">
+                <p:oleObj spid="_x0000_s1037" name="think-cell Folie" r:id="rId5" imgW="372" imgH="369" progId="TCLayout.ActiveDocument.1">
                   <p:embed/>
                 </p:oleObj>
               </mc:Choice>
@@ -935,7 +935,7 @@
               <a:defRPr/>
             </a:pPr>
             <a:r>
-              <a:rPr kumimoji="0" lang="de-CH" sz="1400" b="1" i="0" u="none" strike="noStrike" kern="1200" cap="none" spc="0" normalizeH="0" baseline="0" noProof="0" dirty="0" err="1">
+              <a:rPr kumimoji="0" lang="de-CH" sz="1400" b="1" i="0" u="none" strike="noStrike" kern="1200" cap="none" spc="0" normalizeH="0" baseline="0" noProof="0" dirty="0">
                 <a:ln>
                   <a:noFill/>
                 </a:ln>
@@ -951,20 +951,6 @@
               </a:rPr>
               <a:t>Probability</a:t>
             </a:r>
-            <a:endParaRPr kumimoji="0" lang="de-CH" sz="1400" b="1" i="0" u="none" strike="noStrike" kern="1200" cap="none" spc="0" normalizeH="0" baseline="0" noProof="0" dirty="0">
-              <a:ln>
-                <a:noFill/>
-              </a:ln>
-              <a:solidFill>
-                <a:srgbClr val="000000"/>
-              </a:solidFill>
-              <a:effectLst/>
-              <a:uLnTx/>
-              <a:uFillTx/>
-              <a:latin typeface="Arial" panose="020B0604020202020204" pitchFamily="34" charset="0"/>
-              <a:ea typeface="+mn-ea"/>
-              <a:cs typeface="Arial" panose="020B0604020202020204" pitchFamily="34" charset="0"/>
-            </a:endParaRPr>
           </a:p>
         </p:txBody>
       </p:sp>
@@ -1008,7 +994,7 @@
               <a:defRPr/>
             </a:pPr>
             <a:r>
-              <a:rPr kumimoji="0" lang="de-CH" sz="1400" b="1" i="0" u="none" strike="noStrike" kern="1200" cap="none" spc="0" normalizeH="0" baseline="0" noProof="0" dirty="0" err="1">
+              <a:rPr kumimoji="0" lang="de-CH" sz="1400" b="1" i="0" u="none" strike="noStrike" kern="1200" cap="none" spc="0" normalizeH="0" baseline="0" noProof="0" dirty="0">
                 <a:ln>
                   <a:noFill/>
                 </a:ln>
@@ -1024,20 +1010,6 @@
               </a:rPr>
               <a:t>Severity</a:t>
             </a:r>
-            <a:endParaRPr kumimoji="0" lang="de-CH" sz="1400" b="1" i="0" u="none" strike="noStrike" kern="1200" cap="none" spc="0" normalizeH="0" baseline="0" noProof="0" dirty="0">
-              <a:ln>
-                <a:noFill/>
-              </a:ln>
-              <a:solidFill>
-                <a:srgbClr val="000000"/>
-              </a:solidFill>
-              <a:effectLst/>
-              <a:uLnTx/>
-              <a:uFillTx/>
-              <a:latin typeface="Arial" panose="020B0604020202020204" pitchFamily="34" charset="0"/>
-              <a:ea typeface="+mn-ea"/>
-              <a:cs typeface="Arial" panose="020B0604020202020204" pitchFamily="34" charset="0"/>
-            </a:endParaRPr>
           </a:p>
         </p:txBody>
       </p:sp>
@@ -2000,88 +1972,13 @@
       </p:sp>
       <p:sp>
         <p:nvSpPr>
-          <p:cNvPr id="81" name="Ellipse 80"/>
-          <p:cNvSpPr/>
-          <p:nvPr/>
-        </p:nvSpPr>
-        <p:spPr>
-          <a:xfrm>
-            <a:off x="2473101" y="3404282"/>
-            <a:ext cx="288000" cy="288000"/>
-          </a:xfrm>
-          <a:prstGeom prst="ellipse">
-            <a:avLst/>
-          </a:prstGeom>
-        </p:spPr>
-        <p:style>
-          <a:lnRef idx="0">
-            <a:schemeClr val="accent1"/>
-          </a:lnRef>
-          <a:fillRef idx="3">
-            <a:schemeClr val="accent1"/>
-          </a:fillRef>
-          <a:effectRef idx="3">
-            <a:schemeClr val="accent1"/>
-          </a:effectRef>
-          <a:fontRef idx="minor">
-            <a:schemeClr val="lt1"/>
-          </a:fontRef>
-        </p:style>
-        <p:txBody>
-          <a:bodyPr rtlCol="0" anchor="ctr"/>
-          <a:lstStyle/>
-          <a:p>
-            <a:pPr marL="0" marR="0" lvl="0" indent="0" algn="ctr" defTabSz="914400" rtl="0" eaLnBrk="0" fontAlgn="base" latinLnBrk="0" hangingPunct="0">
-              <a:lnSpc>
-                <a:spcPct val="100000"/>
-              </a:lnSpc>
-              <a:spcBef>
-                <a:spcPct val="0"/>
-              </a:spcBef>
-              <a:spcAft>
-                <a:spcPct val="0"/>
-              </a:spcAft>
-              <a:buClrTx/>
-              <a:buSzTx/>
-              <a:buFontTx/>
-              <a:buNone/>
-              <a:tabLst/>
-              <a:defRPr/>
-            </a:pPr>
-            <a:r>
-              <a:rPr lang="de-CH" sz="1600" dirty="0">
-                <a:solidFill>
-                  <a:srgbClr val="FFFFFF"/>
-                </a:solidFill>
-              </a:rPr>
-              <a:t>2</a:t>
-            </a:r>
-            <a:endParaRPr kumimoji="0" lang="de-CH" sz="1600" b="0" i="0" u="none" strike="noStrike" kern="1200" cap="none" spc="0" normalizeH="0" baseline="0" noProof="0" dirty="0">
-              <a:ln>
-                <a:noFill/>
-              </a:ln>
-              <a:solidFill>
-                <a:srgbClr val="FFFFFF"/>
-              </a:solidFill>
-              <a:effectLst/>
-              <a:uLnTx/>
-              <a:uFillTx/>
-              <a:latin typeface="+mn-lt"/>
-              <a:ea typeface="+mn-ea"/>
-              <a:cs typeface="+mn-cs"/>
-            </a:endParaRPr>
-          </a:p>
-        </p:txBody>
-      </p:sp>
-      <p:sp>
-        <p:nvSpPr>
           <p:cNvPr id="82" name="Ellipse 81"/>
           <p:cNvSpPr/>
           <p:nvPr/>
         </p:nvSpPr>
         <p:spPr>
           <a:xfrm>
-            <a:off x="3635923" y="3404091"/>
+            <a:off x="3464648" y="3422379"/>
             <a:ext cx="288000" cy="288000"/>
           </a:xfrm>
           <a:prstGeom prst="ellipse">
@@ -2159,13 +2056,13 @@
       </p:sp>
       <p:sp>
         <p:nvSpPr>
-          <p:cNvPr id="83" name="Ellipse 82"/>
+          <p:cNvPr id="84" name="Ellipse 83"/>
           <p:cNvSpPr/>
           <p:nvPr/>
         </p:nvSpPr>
         <p:spPr>
           <a:xfrm>
-            <a:off x="2661023" y="2467630"/>
+            <a:off x="2639224" y="3422379"/>
             <a:ext cx="288000" cy="288000"/>
           </a:xfrm>
           <a:prstGeom prst="ellipse">
@@ -2208,7 +2105,7 @@
               <a:defRPr/>
             </a:pPr>
             <a:r>
-              <a:rPr kumimoji="0" lang="de-CH" sz="1600" b="0" i="0" u="none" strike="noStrike" kern="1200" cap="none" spc="0" normalizeH="0" baseline="0" noProof="0" dirty="0">
+              <a:rPr kumimoji="0" lang="de-CH" sz="1600" b="0" i="0" u="none" strike="noStrike" kern="1200" cap="none" spc="0" normalizeH="0" baseline="0" noProof="0" dirty="0" smtClean="0">
                 <a:ln>
                   <a:noFill/>
                 </a:ln>
@@ -2224,76 +2121,20 @@
               </a:rPr>
               <a:t>4</a:t>
             </a:r>
-          </a:p>
-        </p:txBody>
-      </p:sp>
-      <p:sp>
-        <p:nvSpPr>
-          <p:cNvPr id="84" name="Ellipse 83"/>
-          <p:cNvSpPr/>
-          <p:nvPr/>
-        </p:nvSpPr>
-        <p:spPr>
-          <a:xfrm>
-            <a:off x="2861355" y="3404282"/>
-            <a:ext cx="288000" cy="288000"/>
-          </a:xfrm>
-          <a:prstGeom prst="ellipse">
-            <a:avLst/>
-          </a:prstGeom>
-        </p:spPr>
-        <p:style>
-          <a:lnRef idx="0">
-            <a:schemeClr val="accent1"/>
-          </a:lnRef>
-          <a:fillRef idx="3">
-            <a:schemeClr val="accent1"/>
-          </a:fillRef>
-          <a:effectRef idx="3">
-            <a:schemeClr val="accent1"/>
-          </a:effectRef>
-          <a:fontRef idx="minor">
-            <a:schemeClr val="lt1"/>
-          </a:fontRef>
-        </p:style>
-        <p:txBody>
-          <a:bodyPr rtlCol="0" anchor="ctr"/>
-          <a:lstStyle/>
-          <a:p>
-            <a:pPr marL="0" marR="0" lvl="0" indent="0" algn="ctr" defTabSz="914400" rtl="0" eaLnBrk="0" fontAlgn="base" latinLnBrk="0" hangingPunct="0">
-              <a:lnSpc>
-                <a:spcPct val="100000"/>
-              </a:lnSpc>
-              <a:spcBef>
-                <a:spcPct val="0"/>
-              </a:spcBef>
-              <a:spcAft>
-                <a:spcPct val="0"/>
-              </a:spcAft>
-              <a:buClrTx/>
-              <a:buSzTx/>
-              <a:buFontTx/>
-              <a:buNone/>
-              <a:tabLst/>
-              <a:defRPr/>
-            </a:pPr>
-            <a:r>
-              <a:rPr kumimoji="0" lang="de-CH" sz="1600" b="0" i="0" u="none" strike="noStrike" kern="1200" cap="none" spc="0" normalizeH="0" baseline="0" noProof="0" dirty="0">
-                <a:ln>
-                  <a:noFill/>
-                </a:ln>
-                <a:solidFill>
-                  <a:srgbClr val="FFFFFF"/>
-                </a:solidFill>
-                <a:effectLst/>
-                <a:uLnTx/>
-                <a:uFillTx/>
-                <a:latin typeface="+mn-lt"/>
-                <a:ea typeface="+mn-ea"/>
-                <a:cs typeface="+mn-cs"/>
-              </a:rPr>
-              <a:t>3</a:t>
-            </a:r>
+            <a:endParaRPr kumimoji="0" lang="de-CH" sz="1600" b="0" i="0" u="none" strike="noStrike" kern="1200" cap="none" spc="0" normalizeH="0" baseline="0" noProof="0" dirty="0">
+              <a:ln>
+                <a:noFill/>
+              </a:ln>
+              <a:solidFill>
+                <a:srgbClr val="FFFFFF"/>
+              </a:solidFill>
+              <a:effectLst/>
+              <a:uLnTx/>
+              <a:uFillTx/>
+              <a:latin typeface="+mn-lt"/>
+              <a:ea typeface="+mn-ea"/>
+              <a:cs typeface="+mn-cs"/>
+            </a:endParaRPr>
           </a:p>
         </p:txBody>
       </p:sp>
@@ -2418,7 +2259,478 @@
               <a:defRPr/>
             </a:pPr>
             <a:r>
-              <a:rPr kumimoji="0" lang="de-CH" sz="1600" b="0" i="0" u="none" strike="noStrike" kern="1200" cap="none" spc="0" normalizeH="0" baseline="0" noProof="0" dirty="0">
+              <a:rPr lang="de-CH" sz="1600" dirty="0">
+                <a:solidFill>
+                  <a:srgbClr val="FFFFFF"/>
+                </a:solidFill>
+              </a:rPr>
+              <a:t>3</a:t>
+            </a:r>
+            <a:endParaRPr kumimoji="0" lang="de-CH" sz="1600" b="0" i="0" u="none" strike="noStrike" kern="1200" cap="none" spc="0" normalizeH="0" baseline="0" noProof="0" dirty="0">
+              <a:ln>
+                <a:noFill/>
+              </a:ln>
+              <a:solidFill>
+                <a:srgbClr val="FFFFFF"/>
+              </a:solidFill>
+              <a:effectLst/>
+              <a:uLnTx/>
+              <a:uFillTx/>
+              <a:latin typeface="+mn-lt"/>
+              <a:ea typeface="+mn-ea"/>
+              <a:cs typeface="+mn-cs"/>
+            </a:endParaRPr>
+          </a:p>
+        </p:txBody>
+      </p:sp>
+      <p:sp>
+        <p:nvSpPr>
+          <p:cNvPr id="87" name="Ellipse 86"/>
+          <p:cNvSpPr/>
+          <p:nvPr/>
+        </p:nvSpPr>
+        <p:spPr>
+          <a:xfrm>
+            <a:off x="6788791" y="3853353"/>
+            <a:ext cx="288000" cy="288000"/>
+          </a:xfrm>
+          <a:prstGeom prst="ellipse">
+            <a:avLst/>
+          </a:prstGeom>
+        </p:spPr>
+        <p:style>
+          <a:lnRef idx="0">
+            <a:schemeClr val="accent1"/>
+          </a:lnRef>
+          <a:fillRef idx="3">
+            <a:schemeClr val="accent1"/>
+          </a:fillRef>
+          <a:effectRef idx="3">
+            <a:schemeClr val="accent1"/>
+          </a:effectRef>
+          <a:fontRef idx="minor">
+            <a:schemeClr val="lt1"/>
+          </a:fontRef>
+        </p:style>
+        <p:txBody>
+          <a:bodyPr rtlCol="0" anchor="ctr"/>
+          <a:lstStyle/>
+          <a:p>
+            <a:pPr marL="0" marR="0" lvl="0" indent="0" algn="ctr" defTabSz="914400" rtl="0" eaLnBrk="0" fontAlgn="base" latinLnBrk="0" hangingPunct="0">
+              <a:lnSpc>
+                <a:spcPct val="100000"/>
+              </a:lnSpc>
+              <a:spcBef>
+                <a:spcPct val="0"/>
+              </a:spcBef>
+              <a:spcAft>
+                <a:spcPct val="0"/>
+              </a:spcAft>
+              <a:buClrTx/>
+              <a:buSzTx/>
+              <a:buFontTx/>
+              <a:buNone/>
+              <a:tabLst/>
+              <a:defRPr/>
+            </a:pPr>
+            <a:r>
+              <a:rPr kumimoji="0" lang="de-CH" sz="1600" b="0" i="0" u="none" strike="noStrike" kern="1200" cap="none" spc="0" normalizeH="0" baseline="0" noProof="0" dirty="0" smtClean="0">
+                <a:ln>
+                  <a:noFill/>
+                </a:ln>
+                <a:solidFill>
+                  <a:srgbClr val="FFFFFF"/>
+                </a:solidFill>
+                <a:effectLst/>
+                <a:uLnTx/>
+                <a:uFillTx/>
+                <a:latin typeface="+mn-lt"/>
+                <a:ea typeface="+mn-ea"/>
+                <a:cs typeface="+mn-cs"/>
+              </a:rPr>
+              <a:t>5</a:t>
+            </a:r>
+            <a:endParaRPr kumimoji="0" lang="de-CH" sz="1600" b="0" i="0" u="none" strike="noStrike" kern="1200" cap="none" spc="0" normalizeH="0" baseline="0" noProof="0" dirty="0">
+              <a:ln>
+                <a:noFill/>
+              </a:ln>
+              <a:solidFill>
+                <a:srgbClr val="FFFFFF"/>
+              </a:solidFill>
+              <a:effectLst/>
+              <a:uLnTx/>
+              <a:uFillTx/>
+              <a:latin typeface="+mn-lt"/>
+              <a:ea typeface="+mn-ea"/>
+              <a:cs typeface="+mn-cs"/>
+            </a:endParaRPr>
+          </a:p>
+        </p:txBody>
+      </p:sp>
+      <p:sp>
+        <p:nvSpPr>
+          <p:cNvPr id="88" name="Ellipse 87"/>
+          <p:cNvSpPr/>
+          <p:nvPr/>
+        </p:nvSpPr>
+        <p:spPr>
+          <a:xfrm>
+            <a:off x="6788791" y="4797151"/>
+            <a:ext cx="288000" cy="288000"/>
+          </a:xfrm>
+          <a:prstGeom prst="ellipse">
+            <a:avLst/>
+          </a:prstGeom>
+        </p:spPr>
+        <p:style>
+          <a:lnRef idx="0">
+            <a:schemeClr val="accent1"/>
+          </a:lnRef>
+          <a:fillRef idx="3">
+            <a:schemeClr val="accent1"/>
+          </a:fillRef>
+          <a:effectRef idx="3">
+            <a:schemeClr val="accent1"/>
+          </a:effectRef>
+          <a:fontRef idx="minor">
+            <a:schemeClr val="lt1"/>
+          </a:fontRef>
+        </p:style>
+        <p:txBody>
+          <a:bodyPr rtlCol="0" anchor="ctr"/>
+          <a:lstStyle/>
+          <a:p>
+            <a:pPr marL="0" marR="0" lvl="0" indent="0" algn="ctr" defTabSz="914400" rtl="0" eaLnBrk="0" fontAlgn="base" latinLnBrk="0" hangingPunct="0">
+              <a:lnSpc>
+                <a:spcPct val="100000"/>
+              </a:lnSpc>
+              <a:spcBef>
+                <a:spcPct val="0"/>
+              </a:spcBef>
+              <a:spcAft>
+                <a:spcPct val="0"/>
+              </a:spcAft>
+              <a:buClrTx/>
+              <a:buSzTx/>
+              <a:buFontTx/>
+              <a:buNone/>
+              <a:tabLst/>
+              <a:defRPr/>
+            </a:pPr>
+            <a:r>
+              <a:rPr kumimoji="0" lang="de-CH" sz="1600" b="0" i="0" u="none" strike="noStrike" kern="1200" cap="none" spc="0" normalizeH="0" baseline="0" noProof="0" dirty="0" smtClean="0">
+                <a:ln>
+                  <a:noFill/>
+                </a:ln>
+                <a:solidFill>
+                  <a:srgbClr val="FFFFFF"/>
+                </a:solidFill>
+                <a:effectLst/>
+                <a:uLnTx/>
+                <a:uFillTx/>
+                <a:latin typeface="+mn-lt"/>
+                <a:ea typeface="+mn-ea"/>
+                <a:cs typeface="+mn-cs"/>
+              </a:rPr>
+              <a:t>7</a:t>
+            </a:r>
+            <a:endParaRPr kumimoji="0" lang="de-CH" sz="1600" b="0" i="0" u="none" strike="noStrike" kern="1200" cap="none" spc="0" normalizeH="0" baseline="0" noProof="0" dirty="0">
+              <a:ln>
+                <a:noFill/>
+              </a:ln>
+              <a:solidFill>
+                <a:srgbClr val="FFFFFF"/>
+              </a:solidFill>
+              <a:effectLst/>
+              <a:uLnTx/>
+              <a:uFillTx/>
+              <a:latin typeface="+mn-lt"/>
+              <a:ea typeface="+mn-ea"/>
+              <a:cs typeface="+mn-cs"/>
+            </a:endParaRPr>
+          </a:p>
+        </p:txBody>
+      </p:sp>
+      <p:sp>
+        <p:nvSpPr>
+          <p:cNvPr id="89" name="Textfeld 88"/>
+          <p:cNvSpPr txBox="1"/>
+          <p:nvPr/>
+        </p:nvSpPr>
+        <p:spPr>
+          <a:xfrm>
+            <a:off x="7072188" y="1971696"/>
+            <a:ext cx="3159409" cy="307777"/>
+          </a:xfrm>
+          <a:prstGeom prst="rect">
+            <a:avLst/>
+          </a:prstGeom>
+          <a:noFill/>
+        </p:spPr>
+        <p:txBody>
+          <a:bodyPr wrap="square" rtlCol="0">
+            <a:spAutoFit/>
+          </a:bodyPr>
+          <a:lstStyle/>
+          <a:p>
+            <a:pPr lvl="0" eaLnBrk="0" fontAlgn="base" hangingPunct="0">
+              <a:spcBef>
+                <a:spcPct val="0"/>
+              </a:spcBef>
+              <a:spcAft>
+                <a:spcPct val="0"/>
+              </a:spcAft>
+              <a:defRPr/>
+            </a:pPr>
+            <a:r>
+              <a:rPr lang="de-CH" sz="1400" dirty="0">
+                <a:solidFill>
+                  <a:srgbClr val="000000"/>
+                </a:solidFill>
+                <a:latin typeface="Arial" panose="020B0604020202020204" pitchFamily="34" charset="0"/>
+                <a:cs typeface="Arial" panose="020B0604020202020204" pitchFamily="34" charset="0"/>
+              </a:rPr>
+              <a:t>Anforderungen an Infrastruktur</a:t>
+            </a:r>
+            <a:endParaRPr kumimoji="0" lang="de-CH" sz="1400" b="1" i="0" u="none" strike="noStrike" kern="1200" cap="none" spc="0" normalizeH="0" baseline="0" noProof="0" dirty="0">
+              <a:ln>
+                <a:noFill/>
+              </a:ln>
+              <a:solidFill>
+                <a:srgbClr val="000000"/>
+              </a:solidFill>
+              <a:effectLst/>
+              <a:uLnTx/>
+              <a:uFillTx/>
+              <a:latin typeface="Arial" panose="020B0604020202020204" pitchFamily="34" charset="0"/>
+              <a:cs typeface="Arial" panose="020B0604020202020204" pitchFamily="34" charset="0"/>
+            </a:endParaRPr>
+          </a:p>
+        </p:txBody>
+      </p:sp>
+      <p:sp>
+        <p:nvSpPr>
+          <p:cNvPr id="90" name="Textfeld 89"/>
+          <p:cNvSpPr txBox="1"/>
+          <p:nvPr/>
+        </p:nvSpPr>
+        <p:spPr>
+          <a:xfrm>
+            <a:off x="7072188" y="2920772"/>
+            <a:ext cx="3159409" cy="307777"/>
+          </a:xfrm>
+          <a:prstGeom prst="rect">
+            <a:avLst/>
+          </a:prstGeom>
+          <a:noFill/>
+        </p:spPr>
+        <p:txBody>
+          <a:bodyPr wrap="square" rtlCol="0">
+            <a:spAutoFit/>
+          </a:bodyPr>
+          <a:lstStyle/>
+          <a:p>
+            <a:pPr eaLnBrk="0" fontAlgn="base" hangingPunct="0">
+              <a:spcBef>
+                <a:spcPct val="0"/>
+              </a:spcBef>
+              <a:spcAft>
+                <a:spcPct val="0"/>
+              </a:spcAft>
+              <a:defRPr/>
+            </a:pPr>
+            <a:r>
+              <a:rPr lang="de-CH" sz="1400" dirty="0">
+                <a:solidFill>
+                  <a:srgbClr val="000000"/>
+                </a:solidFill>
+                <a:latin typeface="Arial" panose="020B0604020202020204" pitchFamily="34" charset="0"/>
+                <a:cs typeface="Arial" panose="020B0604020202020204" pitchFamily="34" charset="0"/>
+              </a:rPr>
+              <a:t>Anforderungen an Technologien</a:t>
+            </a:r>
+            <a:endParaRPr kumimoji="0" lang="de-CH" sz="1400" b="1" i="0" u="none" strike="noStrike" kern="1200" cap="none" spc="0" normalizeH="0" baseline="0" noProof="0" dirty="0">
+              <a:ln>
+                <a:noFill/>
+              </a:ln>
+              <a:solidFill>
+                <a:srgbClr val="000000"/>
+              </a:solidFill>
+              <a:effectLst/>
+              <a:uLnTx/>
+              <a:uFillTx/>
+              <a:latin typeface="Arial" panose="020B0604020202020204" pitchFamily="34" charset="0"/>
+              <a:cs typeface="Arial" panose="020B0604020202020204" pitchFamily="34" charset="0"/>
+            </a:endParaRPr>
+          </a:p>
+        </p:txBody>
+      </p:sp>
+      <p:sp>
+        <p:nvSpPr>
+          <p:cNvPr id="91" name="Textfeld 90"/>
+          <p:cNvSpPr txBox="1"/>
+          <p:nvPr/>
+        </p:nvSpPr>
+        <p:spPr>
+          <a:xfrm>
+            <a:off x="7072188" y="3869848"/>
+            <a:ext cx="3370260" cy="307777"/>
+          </a:xfrm>
+          <a:prstGeom prst="rect">
+            <a:avLst/>
+          </a:prstGeom>
+          <a:noFill/>
+        </p:spPr>
+        <p:txBody>
+          <a:bodyPr wrap="square" rtlCol="0">
+            <a:spAutoFit/>
+          </a:bodyPr>
+          <a:lstStyle/>
+          <a:p>
+            <a:pPr lvl="0" eaLnBrk="0" fontAlgn="base" hangingPunct="0">
+              <a:spcBef>
+                <a:spcPct val="0"/>
+              </a:spcBef>
+              <a:spcAft>
+                <a:spcPct val="0"/>
+              </a:spcAft>
+              <a:defRPr/>
+            </a:pPr>
+            <a:r>
+              <a:rPr lang="de-CH" sz="1400">
+                <a:solidFill>
+                  <a:srgbClr val="000000"/>
+                </a:solidFill>
+                <a:latin typeface="Arial" panose="020B0604020202020204" pitchFamily="34" charset="0"/>
+                <a:cs typeface="Arial" panose="020B0604020202020204" pitchFamily="34" charset="0"/>
+              </a:rPr>
+              <a:t>HSR Prüfungsreglement / Datenschutz</a:t>
+            </a:r>
+            <a:endParaRPr kumimoji="0" lang="de-CH" sz="1400" b="0" i="0" u="none" strike="noStrike" kern="1200" cap="none" spc="0" normalizeH="0" baseline="0" noProof="0" dirty="0">
+              <a:ln>
+                <a:noFill/>
+              </a:ln>
+              <a:solidFill>
+                <a:srgbClr val="000000"/>
+              </a:solidFill>
+              <a:effectLst/>
+              <a:uLnTx/>
+              <a:uFillTx/>
+              <a:latin typeface="Arial" panose="020B0604020202020204" pitchFamily="34" charset="0"/>
+              <a:cs typeface="Arial" panose="020B0604020202020204" pitchFamily="34" charset="0"/>
+            </a:endParaRPr>
+          </a:p>
+        </p:txBody>
+      </p:sp>
+      <p:sp>
+        <p:nvSpPr>
+          <p:cNvPr id="92" name="Textfeld 91"/>
+          <p:cNvSpPr txBox="1"/>
+          <p:nvPr/>
+        </p:nvSpPr>
+        <p:spPr>
+          <a:xfrm>
+            <a:off x="7072188" y="4818924"/>
+            <a:ext cx="3159409" cy="307777"/>
+          </a:xfrm>
+          <a:prstGeom prst="rect">
+            <a:avLst/>
+          </a:prstGeom>
+          <a:noFill/>
+        </p:spPr>
+        <p:txBody>
+          <a:bodyPr wrap="square" rtlCol="0">
+            <a:spAutoFit/>
+          </a:bodyPr>
+          <a:lstStyle/>
+          <a:p>
+            <a:pPr lvl="0" eaLnBrk="0" fontAlgn="base" hangingPunct="0">
+              <a:spcBef>
+                <a:spcPct val="0"/>
+              </a:spcBef>
+              <a:spcAft>
+                <a:spcPct val="0"/>
+              </a:spcAft>
+              <a:defRPr/>
+            </a:pPr>
+            <a:r>
+              <a:rPr lang="de-CH" sz="1400" dirty="0">
+                <a:solidFill>
+                  <a:srgbClr val="000000"/>
+                </a:solidFill>
+                <a:latin typeface="Arial" panose="020B0604020202020204" pitchFamily="34" charset="0"/>
+                <a:cs typeface="Arial" panose="020B0604020202020204" pitchFamily="34" charset="0"/>
+              </a:rPr>
+              <a:t>Ausfall oder Datenverlust bei GitLab</a:t>
+            </a:r>
+            <a:endParaRPr kumimoji="0" lang="de-CH" sz="1400" b="1" i="0" u="none" strike="noStrike" kern="1200" cap="none" spc="0" normalizeH="0" baseline="0" noProof="0" dirty="0">
+              <a:ln>
+                <a:noFill/>
+              </a:ln>
+              <a:solidFill>
+                <a:srgbClr val="000000"/>
+              </a:solidFill>
+              <a:effectLst/>
+              <a:uLnTx/>
+              <a:uFillTx/>
+              <a:latin typeface="Arial" panose="020B0604020202020204" pitchFamily="34" charset="0"/>
+              <a:cs typeface="Arial" panose="020B0604020202020204" pitchFamily="34" charset="0"/>
+            </a:endParaRPr>
+          </a:p>
+        </p:txBody>
+      </p:sp>
+      <p:sp>
+        <p:nvSpPr>
+          <p:cNvPr id="33" name="Ellipse 84"/>
+          <p:cNvSpPr/>
+          <p:nvPr/>
+        </p:nvSpPr>
+        <p:spPr>
+          <a:xfrm>
+            <a:off x="6788791" y="2462118"/>
+            <a:ext cx="288000" cy="288000"/>
+          </a:xfrm>
+          <a:prstGeom prst="ellipse">
+            <a:avLst/>
+          </a:prstGeom>
+        </p:spPr>
+        <p:style>
+          <a:lnRef idx="0">
+            <a:schemeClr val="accent1"/>
+          </a:lnRef>
+          <a:fillRef idx="3">
+            <a:schemeClr val="accent1"/>
+          </a:fillRef>
+          <a:effectRef idx="3">
+            <a:schemeClr val="accent1"/>
+          </a:effectRef>
+          <a:fontRef idx="minor">
+            <a:schemeClr val="lt1"/>
+          </a:fontRef>
+        </p:style>
+        <p:txBody>
+          <a:bodyPr rtlCol="0" anchor="ctr"/>
+          <a:lstStyle/>
+          <a:p>
+            <a:pPr marL="0" marR="0" lvl="0" indent="0" algn="ctr" defTabSz="914400" rtl="0" eaLnBrk="0" fontAlgn="base" latinLnBrk="0" hangingPunct="0">
+              <a:lnSpc>
+                <a:spcPct val="100000"/>
+              </a:lnSpc>
+              <a:spcBef>
+                <a:spcPct val="0"/>
+              </a:spcBef>
+              <a:spcAft>
+                <a:spcPct val="0"/>
+              </a:spcAft>
+              <a:buClrTx/>
+              <a:buSzTx/>
+              <a:buFontTx/>
+              <a:buNone/>
+              <a:tabLst/>
+              <a:defRPr/>
+            </a:pPr>
+            <a:r>
+              <a:rPr kumimoji="0" lang="de-CH" sz="1600" b="0" i="0" u="none" strike="noStrike" kern="1200" cap="none" spc="0" normalizeH="0" baseline="0" noProof="0" dirty="0" smtClean="0">
                 <a:ln>
                   <a:noFill/>
                 </a:ln>
@@ -2434,18 +2746,89 @@
               </a:rPr>
               <a:t>2</a:t>
             </a:r>
-          </a:p>
-        </p:txBody>
-      </p:sp>
-      <p:sp>
-        <p:nvSpPr>
-          <p:cNvPr id="87" name="Ellipse 86"/>
+            <a:endParaRPr kumimoji="0" lang="de-CH" sz="1600" b="0" i="0" u="none" strike="noStrike" kern="1200" cap="none" spc="0" normalizeH="0" baseline="0" noProof="0" dirty="0">
+              <a:ln>
+                <a:noFill/>
+              </a:ln>
+              <a:solidFill>
+                <a:srgbClr val="FFFFFF"/>
+              </a:solidFill>
+              <a:effectLst/>
+              <a:uLnTx/>
+              <a:uFillTx/>
+              <a:latin typeface="+mn-lt"/>
+              <a:ea typeface="+mn-ea"/>
+              <a:cs typeface="+mn-cs"/>
+            </a:endParaRPr>
+          </a:p>
+        </p:txBody>
+      </p:sp>
+      <p:sp>
+        <p:nvSpPr>
+          <p:cNvPr id="34" name="Textfeld 33"/>
+          <p:cNvSpPr txBox="1"/>
+          <p:nvPr/>
+        </p:nvSpPr>
+        <p:spPr>
+          <a:xfrm>
+            <a:off x="7072188" y="2468057"/>
+            <a:ext cx="3159409" cy="307777"/>
+          </a:xfrm>
+          <a:prstGeom prst="rect">
+            <a:avLst/>
+          </a:prstGeom>
+          <a:noFill/>
+        </p:spPr>
+        <p:txBody>
+          <a:bodyPr wrap="square" rtlCol="0">
+            <a:spAutoFit/>
+          </a:bodyPr>
+          <a:lstStyle/>
+          <a:p>
+            <a:pPr lvl="0" eaLnBrk="0" fontAlgn="base" hangingPunct="0">
+              <a:spcBef>
+                <a:spcPct val="0"/>
+              </a:spcBef>
+              <a:spcAft>
+                <a:spcPct val="0"/>
+              </a:spcAft>
+              <a:defRPr/>
+            </a:pPr>
+            <a:r>
+              <a:rPr lang="de-CH" sz="1400" dirty="0">
+                <a:solidFill>
+                  <a:srgbClr val="000000"/>
+                </a:solidFill>
+                <a:latin typeface="Arial" panose="020B0604020202020204" pitchFamily="34" charset="0"/>
+                <a:cs typeface="Arial" panose="020B0604020202020204" pitchFamily="34" charset="0"/>
+              </a:rPr>
+              <a:t>Komplexität der Technologien</a:t>
+            </a:r>
+            <a:endParaRPr kumimoji="0" lang="de-CH" sz="1400" b="1" i="0" u="none" strike="noStrike" kern="1200" cap="none" spc="0" normalizeH="0" baseline="0" noProof="0" dirty="0">
+              <a:ln>
+                <a:noFill/>
+              </a:ln>
+              <a:solidFill>
+                <a:srgbClr val="000000"/>
+              </a:solidFill>
+              <a:effectLst/>
+              <a:uLnTx/>
+              <a:uFillTx/>
+              <a:latin typeface="Arial" panose="020B0604020202020204" pitchFamily="34" charset="0"/>
+              <a:cs typeface="Arial" panose="020B0604020202020204" pitchFamily="34" charset="0"/>
+            </a:endParaRPr>
+          </a:p>
+        </p:txBody>
+      </p:sp>
+      <p:sp>
+        <p:nvSpPr>
+          <p:cNvPr id="35" name="Ellipse 84"/>
           <p:cNvSpPr/>
           <p:nvPr/>
         </p:nvSpPr>
         <p:spPr>
           <a:xfrm>
-            <a:off x="6788791" y="3853353"/>
+            <a:off x="6788791" y="3380327"/>
             <a:ext cx="288000" cy="288000"/>
           </a:xfrm>
           <a:prstGeom prst="ellipse">
@@ -2488,77 +2871,7 @@
               <a:defRPr/>
             </a:pPr>
             <a:r>
-              <a:rPr kumimoji="0" lang="de-CH" sz="1600" b="0" i="0" u="none" strike="noStrike" kern="1200" cap="none" spc="0" normalizeH="0" baseline="0" noProof="0" dirty="0">
-                <a:ln>
-                  <a:noFill/>
-                </a:ln>
-                <a:solidFill>
-                  <a:srgbClr val="FFFFFF"/>
-                </a:solidFill>
-                <a:effectLst/>
-                <a:uLnTx/>
-                <a:uFillTx/>
-                <a:latin typeface="+mn-lt"/>
-                <a:ea typeface="+mn-ea"/>
-                <a:cs typeface="+mn-cs"/>
-              </a:rPr>
-              <a:t>3</a:t>
-            </a:r>
-          </a:p>
-        </p:txBody>
-      </p:sp>
-      <p:sp>
-        <p:nvSpPr>
-          <p:cNvPr id="88" name="Ellipse 87"/>
-          <p:cNvSpPr/>
-          <p:nvPr/>
-        </p:nvSpPr>
-        <p:spPr>
-          <a:xfrm>
-            <a:off x="6788791" y="4797151"/>
-            <a:ext cx="288000" cy="288000"/>
-          </a:xfrm>
-          <a:prstGeom prst="ellipse">
-            <a:avLst/>
-          </a:prstGeom>
-        </p:spPr>
-        <p:style>
-          <a:lnRef idx="0">
-            <a:schemeClr val="accent1"/>
-          </a:lnRef>
-          <a:fillRef idx="3">
-            <a:schemeClr val="accent1"/>
-          </a:fillRef>
-          <a:effectRef idx="3">
-            <a:schemeClr val="accent1"/>
-          </a:effectRef>
-          <a:fontRef idx="minor">
-            <a:schemeClr val="lt1"/>
-          </a:fontRef>
-        </p:style>
-        <p:txBody>
-          <a:bodyPr rtlCol="0" anchor="ctr"/>
-          <a:lstStyle/>
-          <a:p>
-            <a:pPr marL="0" marR="0" lvl="0" indent="0" algn="ctr" defTabSz="914400" rtl="0" eaLnBrk="0" fontAlgn="base" latinLnBrk="0" hangingPunct="0">
-              <a:lnSpc>
-                <a:spcPct val="100000"/>
-              </a:lnSpc>
-              <a:spcBef>
-                <a:spcPct val="0"/>
-              </a:spcBef>
-              <a:spcAft>
-                <a:spcPct val="0"/>
-              </a:spcAft>
-              <a:buClrTx/>
-              <a:buSzTx/>
-              <a:buFontTx/>
-              <a:buNone/>
-              <a:tabLst/>
-              <a:defRPr/>
-            </a:pPr>
-            <a:r>
-              <a:rPr kumimoji="0" lang="de-CH" sz="1600" b="0" i="0" u="none" strike="noStrike" kern="1200" cap="none" spc="0" normalizeH="0" baseline="0" noProof="0" dirty="0">
+              <a:rPr kumimoji="0" lang="de-CH" sz="1600" b="0" i="0" u="none" strike="noStrike" kern="1200" cap="none" spc="0" normalizeH="0" baseline="0" noProof="0" dirty="0" smtClean="0">
                 <a:ln>
                   <a:noFill/>
                 </a:ln>
@@ -2574,18 +2887,32 @@
               </a:rPr>
               <a:t>4</a:t>
             </a:r>
-          </a:p>
-        </p:txBody>
-      </p:sp>
-      <p:sp>
-        <p:nvSpPr>
-          <p:cNvPr id="89" name="Textfeld 88"/>
+            <a:endParaRPr kumimoji="0" lang="de-CH" sz="1600" b="0" i="0" u="none" strike="noStrike" kern="1200" cap="none" spc="0" normalizeH="0" baseline="0" noProof="0" dirty="0">
+              <a:ln>
+                <a:noFill/>
+              </a:ln>
+              <a:solidFill>
+                <a:srgbClr val="FFFFFF"/>
+              </a:solidFill>
+              <a:effectLst/>
+              <a:uLnTx/>
+              <a:uFillTx/>
+              <a:latin typeface="+mn-lt"/>
+              <a:ea typeface="+mn-ea"/>
+              <a:cs typeface="+mn-cs"/>
+            </a:endParaRPr>
+          </a:p>
+        </p:txBody>
+      </p:sp>
+      <p:sp>
+        <p:nvSpPr>
+          <p:cNvPr id="36" name="Textfeld 35"/>
           <p:cNvSpPr txBox="1"/>
           <p:nvPr/>
         </p:nvSpPr>
         <p:spPr>
           <a:xfrm>
-            <a:off x="7072188" y="1916832"/>
+            <a:off x="7072188" y="3386266"/>
             <a:ext cx="3159409" cy="307777"/>
           </a:xfrm>
           <a:prstGeom prst="rect">
@@ -2608,26 +2935,6 @@
               </a:spcAft>
               <a:defRPr/>
             </a:pPr>
-            <a:r>
-              <a:rPr lang="de-CH" sz="1400" dirty="0" err="1" smtClean="0">
-                <a:solidFill>
-                  <a:srgbClr val="000000"/>
-                </a:solidFill>
-                <a:latin typeface="Arial" panose="020B0604020202020204" pitchFamily="34" charset="0"/>
-                <a:cs typeface="Arial" panose="020B0604020202020204" pitchFamily="34" charset="0"/>
-              </a:rPr>
-              <a:t>SpringBoot</a:t>
-            </a:r>
-            <a:r>
-              <a:rPr lang="de-CH" sz="1400" dirty="0" smtClean="0">
-                <a:solidFill>
-                  <a:srgbClr val="000000"/>
-                </a:solidFill>
-                <a:latin typeface="Arial" panose="020B0604020202020204" pitchFamily="34" charset="0"/>
-                <a:cs typeface="Arial" panose="020B0604020202020204" pitchFamily="34" charset="0"/>
-              </a:rPr>
-              <a:t> </a:t>
-            </a:r>
             <a:r>
               <a:rPr lang="de-CH" sz="1400" dirty="0">
                 <a:solidFill>
@@ -2636,17 +2943,7 @@
                 <a:latin typeface="Arial" panose="020B0604020202020204" pitchFamily="34" charset="0"/>
                 <a:cs typeface="Arial" panose="020B0604020202020204" pitchFamily="34" charset="0"/>
               </a:rPr>
-              <a:t>Framework zu </a:t>
-            </a:r>
-            <a:r>
-              <a:rPr lang="de-CH" sz="1400" dirty="0" smtClean="0">
-                <a:solidFill>
-                  <a:srgbClr val="000000"/>
-                </a:solidFill>
-                <a:latin typeface="Arial" panose="020B0604020202020204" pitchFamily="34" charset="0"/>
-                <a:cs typeface="Arial" panose="020B0604020202020204" pitchFamily="34" charset="0"/>
-              </a:rPr>
-              <a:t>komplex</a:t>
+              <a:t>Scope des Projekts zu gross</a:t>
             </a:r>
             <a:endParaRPr kumimoji="0" lang="de-CH" sz="1400" b="1" i="0" u="none" strike="noStrike" kern="1200" cap="none" spc="0" normalizeH="0" baseline="0" noProof="0" dirty="0">
               <a:ln>
@@ -2666,71 +2963,98 @@
       </p:sp>
       <p:sp>
         <p:nvSpPr>
-          <p:cNvPr id="90" name="Textfeld 89"/>
-          <p:cNvSpPr txBox="1"/>
+          <p:cNvPr id="37" name="Ellipse 84"/>
+          <p:cNvSpPr/>
           <p:nvPr/>
         </p:nvSpPr>
         <p:spPr>
           <a:xfrm>
-            <a:off x="7072188" y="2865908"/>
-            <a:ext cx="3159409" cy="523220"/>
-          </a:xfrm>
-          <a:prstGeom prst="rect">
-            <a:avLst/>
-          </a:prstGeom>
-          <a:noFill/>
-        </p:spPr>
-        <p:txBody>
-          <a:bodyPr wrap="square" rtlCol="0">
-            <a:spAutoFit/>
-          </a:bodyPr>
-          <a:lstStyle/>
-          <a:p>
-            <a:pPr eaLnBrk="0" fontAlgn="base" hangingPunct="0">
+            <a:off x="6788791" y="4329403"/>
+            <a:ext cx="288000" cy="288000"/>
+          </a:xfrm>
+          <a:prstGeom prst="ellipse">
+            <a:avLst/>
+          </a:prstGeom>
+        </p:spPr>
+        <p:style>
+          <a:lnRef idx="0">
+            <a:schemeClr val="accent1"/>
+          </a:lnRef>
+          <a:fillRef idx="3">
+            <a:schemeClr val="accent1"/>
+          </a:fillRef>
+          <a:effectRef idx="3">
+            <a:schemeClr val="accent1"/>
+          </a:effectRef>
+          <a:fontRef idx="minor">
+            <a:schemeClr val="lt1"/>
+          </a:fontRef>
+        </p:style>
+        <p:txBody>
+          <a:bodyPr rtlCol="0" anchor="ctr"/>
+          <a:lstStyle/>
+          <a:p>
+            <a:pPr marL="0" marR="0" lvl="0" indent="0" algn="ctr" defTabSz="914400" rtl="0" eaLnBrk="0" fontAlgn="base" latinLnBrk="0" hangingPunct="0">
+              <a:lnSpc>
+                <a:spcPct val="100000"/>
+              </a:lnSpc>
               <a:spcBef>
                 <a:spcPct val="0"/>
               </a:spcBef>
               <a:spcAft>
                 <a:spcPct val="0"/>
               </a:spcAft>
+              <a:buClrTx/>
+              <a:buSzTx/>
+              <a:buFontTx/>
+              <a:buNone/>
+              <a:tabLst/>
               <a:defRPr/>
             </a:pPr>
             <a:r>
-              <a:rPr lang="de-CH" sz="1400" dirty="0" smtClean="0">
+              <a:rPr kumimoji="0" lang="de-CH" sz="1600" b="0" i="0" u="none" strike="noStrike" kern="1200" cap="none" spc="0" normalizeH="0" baseline="0" noProof="0" dirty="0" smtClean="0">
+                <a:ln>
+                  <a:noFill/>
+                </a:ln>
                 <a:solidFill>
-                  <a:srgbClr val="000000"/>
+                  <a:srgbClr val="FFFFFF"/>
                 </a:solidFill>
-                <a:latin typeface="Arial" panose="020B0604020202020204" pitchFamily="34" charset="0"/>
-                <a:cs typeface="Arial" panose="020B0604020202020204" pitchFamily="34" charset="0"/>
+                <a:effectLst/>
+                <a:uLnTx/>
+                <a:uFillTx/>
+                <a:latin typeface="+mn-lt"/>
+                <a:ea typeface="+mn-ea"/>
+                <a:cs typeface="+mn-cs"/>
               </a:rPr>
-              <a:t>Auswertung der Prüfungsaufgaben-Identifikation zu aufwändig</a:t>
+              <a:t>6</a:t>
             </a:r>
-            <a:endParaRPr kumimoji="0" lang="de-CH" sz="1400" b="1" i="0" u="none" strike="noStrike" kern="1200" cap="none" spc="0" normalizeH="0" baseline="0" noProof="0" dirty="0">
+            <a:endParaRPr kumimoji="0" lang="de-CH" sz="1600" b="0" i="0" u="none" strike="noStrike" kern="1200" cap="none" spc="0" normalizeH="0" baseline="0" noProof="0" dirty="0">
               <a:ln>
                 <a:noFill/>
               </a:ln>
               <a:solidFill>
-                <a:srgbClr val="000000"/>
+                <a:srgbClr val="FFFFFF"/>
               </a:solidFill>
               <a:effectLst/>
               <a:uLnTx/>
               <a:uFillTx/>
-              <a:latin typeface="Arial" panose="020B0604020202020204" pitchFamily="34" charset="0"/>
-              <a:cs typeface="Arial" panose="020B0604020202020204" pitchFamily="34" charset="0"/>
+              <a:latin typeface="+mn-lt"/>
+              <a:ea typeface="+mn-ea"/>
+              <a:cs typeface="+mn-cs"/>
             </a:endParaRPr>
           </a:p>
         </p:txBody>
       </p:sp>
       <p:sp>
         <p:nvSpPr>
-          <p:cNvPr id="91" name="Textfeld 90"/>
+          <p:cNvPr id="38" name="Textfeld 37"/>
           <p:cNvSpPr txBox="1"/>
           <p:nvPr/>
         </p:nvSpPr>
         <p:spPr>
           <a:xfrm>
-            <a:off x="7072188" y="3814984"/>
-            <a:ext cx="3159409" cy="523220"/>
+            <a:off x="7072188" y="4335342"/>
+            <a:ext cx="3159409" cy="307777"/>
           </a:xfrm>
           <a:prstGeom prst="rect">
             <a:avLst/>
@@ -2752,93 +3076,6 @@
               </a:spcAft>
               <a:defRPr/>
             </a:pPr>
-            <a:r>
-              <a:rPr lang="de-CH" sz="1400" dirty="0" smtClean="0">
-                <a:solidFill>
-                  <a:srgbClr val="000000"/>
-                </a:solidFill>
-                <a:latin typeface="Arial" panose="020B0604020202020204" pitchFamily="34" charset="0"/>
-                <a:cs typeface="Arial" panose="020B0604020202020204" pitchFamily="34" charset="0"/>
-              </a:rPr>
-              <a:t>Prüfungskorrekturen </a:t>
-            </a:r>
-            <a:r>
-              <a:rPr lang="de-CH" sz="1400" dirty="0">
-                <a:solidFill>
-                  <a:srgbClr val="000000"/>
-                </a:solidFill>
-                <a:latin typeface="Arial" panose="020B0604020202020204" pitchFamily="34" charset="0"/>
-                <a:cs typeface="Arial" panose="020B0604020202020204" pitchFamily="34" charset="0"/>
-              </a:rPr>
-              <a:t>direkt in den Aufgabenbildern nicht </a:t>
-            </a:r>
-            <a:r>
-              <a:rPr lang="de-CH" sz="1400" dirty="0" smtClean="0">
-                <a:solidFill>
-                  <a:srgbClr val="000000"/>
-                </a:solidFill>
-                <a:latin typeface="Arial" panose="020B0604020202020204" pitchFamily="34" charset="0"/>
-                <a:cs typeface="Arial" panose="020B0604020202020204" pitchFamily="34" charset="0"/>
-              </a:rPr>
-              <a:t>umsetzbar</a:t>
-            </a:r>
-            <a:endParaRPr kumimoji="0" lang="de-CH" sz="1400" b="0" i="0" u="none" strike="noStrike" kern="1200" cap="none" spc="0" normalizeH="0" baseline="0" noProof="0" dirty="0">
-              <a:ln>
-                <a:noFill/>
-              </a:ln>
-              <a:solidFill>
-                <a:srgbClr val="000000"/>
-              </a:solidFill>
-              <a:effectLst/>
-              <a:uLnTx/>
-              <a:uFillTx/>
-              <a:latin typeface="Arial" panose="020B0604020202020204" pitchFamily="34" charset="0"/>
-              <a:cs typeface="Arial" panose="020B0604020202020204" pitchFamily="34" charset="0"/>
-            </a:endParaRPr>
-          </a:p>
-        </p:txBody>
-      </p:sp>
-      <p:sp>
-        <p:nvSpPr>
-          <p:cNvPr id="92" name="Textfeld 91"/>
-          <p:cNvSpPr txBox="1"/>
-          <p:nvPr/>
-        </p:nvSpPr>
-        <p:spPr>
-          <a:xfrm>
-            <a:off x="7072188" y="4764060"/>
-            <a:ext cx="3159409" cy="523220"/>
-          </a:xfrm>
-          <a:prstGeom prst="rect">
-            <a:avLst/>
-          </a:prstGeom>
-          <a:noFill/>
-        </p:spPr>
-        <p:txBody>
-          <a:bodyPr wrap="square" rtlCol="0">
-            <a:spAutoFit/>
-          </a:bodyPr>
-          <a:lstStyle/>
-          <a:p>
-            <a:pPr lvl="0" eaLnBrk="0" fontAlgn="base" hangingPunct="0">
-              <a:spcBef>
-                <a:spcPct val="0"/>
-              </a:spcBef>
-              <a:spcAft>
-                <a:spcPct val="0"/>
-              </a:spcAft>
-              <a:defRPr/>
-            </a:pPr>
-            <a:r>
-              <a:rPr lang="de-CH" sz="1400" dirty="0" smtClean="0">
-                <a:solidFill>
-                  <a:srgbClr val="000000"/>
-                </a:solidFill>
-                <a:latin typeface="Arial" panose="020B0604020202020204" pitchFamily="34" charset="0"/>
-                <a:cs typeface="Arial" panose="020B0604020202020204" pitchFamily="34" charset="0"/>
-              </a:rPr>
-              <a:t>Unerwartete </a:t>
-            </a:r>
             <a:r>
               <a:rPr lang="de-CH" sz="1400" dirty="0">
                 <a:solidFill>
@@ -2865,6 +3102,385 @@
           </a:p>
         </p:txBody>
       </p:sp>
+      <p:sp>
+        <p:nvSpPr>
+          <p:cNvPr id="39" name="Ellipse 80"/>
+          <p:cNvSpPr/>
+          <p:nvPr/>
+        </p:nvSpPr>
+        <p:spPr>
+          <a:xfrm>
+            <a:off x="3830619" y="3429792"/>
+            <a:ext cx="288000" cy="288000"/>
+          </a:xfrm>
+          <a:prstGeom prst="ellipse">
+            <a:avLst/>
+          </a:prstGeom>
+        </p:spPr>
+        <p:style>
+          <a:lnRef idx="0">
+            <a:schemeClr val="accent1"/>
+          </a:lnRef>
+          <a:fillRef idx="3">
+            <a:schemeClr val="accent1"/>
+          </a:fillRef>
+          <a:effectRef idx="3">
+            <a:schemeClr val="accent1"/>
+          </a:effectRef>
+          <a:fontRef idx="minor">
+            <a:schemeClr val="lt1"/>
+          </a:fontRef>
+        </p:style>
+        <p:txBody>
+          <a:bodyPr rtlCol="0" anchor="ctr"/>
+          <a:lstStyle/>
+          <a:p>
+            <a:pPr marL="0" marR="0" lvl="0" indent="0" algn="ctr" defTabSz="914400" rtl="0" eaLnBrk="0" fontAlgn="base" latinLnBrk="0" hangingPunct="0">
+              <a:lnSpc>
+                <a:spcPct val="100000"/>
+              </a:lnSpc>
+              <a:spcBef>
+                <a:spcPct val="0"/>
+              </a:spcBef>
+              <a:spcAft>
+                <a:spcPct val="0"/>
+              </a:spcAft>
+              <a:buClrTx/>
+              <a:buSzTx/>
+              <a:buFontTx/>
+              <a:buNone/>
+              <a:tabLst/>
+              <a:defRPr/>
+            </a:pPr>
+            <a:r>
+              <a:rPr lang="de-CH" sz="1600" dirty="0">
+                <a:solidFill>
+                  <a:srgbClr val="FFFFFF"/>
+                </a:solidFill>
+              </a:rPr>
+              <a:t>2</a:t>
+            </a:r>
+            <a:endParaRPr kumimoji="0" lang="de-CH" sz="1600" b="0" i="0" u="none" strike="noStrike" kern="1200" cap="none" spc="0" normalizeH="0" baseline="0" noProof="0" dirty="0">
+              <a:ln>
+                <a:noFill/>
+              </a:ln>
+              <a:solidFill>
+                <a:srgbClr val="FFFFFF"/>
+              </a:solidFill>
+              <a:effectLst/>
+              <a:uLnTx/>
+              <a:uFillTx/>
+              <a:latin typeface="+mn-lt"/>
+              <a:ea typeface="+mn-ea"/>
+              <a:cs typeface="+mn-cs"/>
+            </a:endParaRPr>
+          </a:p>
+        </p:txBody>
+      </p:sp>
+      <p:sp>
+        <p:nvSpPr>
+          <p:cNvPr id="40" name="Ellipse 83"/>
+          <p:cNvSpPr/>
+          <p:nvPr/>
+        </p:nvSpPr>
+        <p:spPr>
+          <a:xfrm>
+            <a:off x="3436271" y="4359321"/>
+            <a:ext cx="288000" cy="288000"/>
+          </a:xfrm>
+          <a:prstGeom prst="ellipse">
+            <a:avLst/>
+          </a:prstGeom>
+        </p:spPr>
+        <p:style>
+          <a:lnRef idx="0">
+            <a:schemeClr val="accent1"/>
+          </a:lnRef>
+          <a:fillRef idx="3">
+            <a:schemeClr val="accent1"/>
+          </a:fillRef>
+          <a:effectRef idx="3">
+            <a:schemeClr val="accent1"/>
+          </a:effectRef>
+          <a:fontRef idx="minor">
+            <a:schemeClr val="lt1"/>
+          </a:fontRef>
+        </p:style>
+        <p:txBody>
+          <a:bodyPr rtlCol="0" anchor="ctr"/>
+          <a:lstStyle/>
+          <a:p>
+            <a:pPr marL="0" marR="0" lvl="0" indent="0" algn="ctr" defTabSz="914400" rtl="0" eaLnBrk="0" fontAlgn="base" latinLnBrk="0" hangingPunct="0">
+              <a:lnSpc>
+                <a:spcPct val="100000"/>
+              </a:lnSpc>
+              <a:spcBef>
+                <a:spcPct val="0"/>
+              </a:spcBef>
+              <a:spcAft>
+                <a:spcPct val="0"/>
+              </a:spcAft>
+              <a:buClrTx/>
+              <a:buSzTx/>
+              <a:buFontTx/>
+              <a:buNone/>
+              <a:tabLst/>
+              <a:defRPr/>
+            </a:pPr>
+            <a:r>
+              <a:rPr kumimoji="0" lang="de-CH" sz="1600" b="0" i="0" u="none" strike="noStrike" kern="1200" cap="none" spc="0" normalizeH="0" baseline="0" noProof="0" dirty="0">
+                <a:ln>
+                  <a:noFill/>
+                </a:ln>
+                <a:solidFill>
+                  <a:srgbClr val="FFFFFF"/>
+                </a:solidFill>
+                <a:effectLst/>
+                <a:uLnTx/>
+                <a:uFillTx/>
+                <a:latin typeface="+mn-lt"/>
+                <a:ea typeface="+mn-ea"/>
+                <a:cs typeface="+mn-cs"/>
+              </a:rPr>
+              <a:t>3</a:t>
+            </a:r>
+          </a:p>
+        </p:txBody>
+      </p:sp>
+      <p:sp>
+        <p:nvSpPr>
+          <p:cNvPr id="43" name="Ellipse 83"/>
+          <p:cNvSpPr/>
+          <p:nvPr/>
+        </p:nvSpPr>
+        <p:spPr>
+          <a:xfrm>
+            <a:off x="3830619" y="4359321"/>
+            <a:ext cx="288000" cy="288000"/>
+          </a:xfrm>
+          <a:prstGeom prst="ellipse">
+            <a:avLst/>
+          </a:prstGeom>
+        </p:spPr>
+        <p:style>
+          <a:lnRef idx="0">
+            <a:schemeClr val="accent1"/>
+          </a:lnRef>
+          <a:fillRef idx="3">
+            <a:schemeClr val="accent1"/>
+          </a:fillRef>
+          <a:effectRef idx="3">
+            <a:schemeClr val="accent1"/>
+          </a:effectRef>
+          <a:fontRef idx="minor">
+            <a:schemeClr val="lt1"/>
+          </a:fontRef>
+        </p:style>
+        <p:txBody>
+          <a:bodyPr rtlCol="0" anchor="ctr"/>
+          <a:lstStyle/>
+          <a:p>
+            <a:pPr marL="0" marR="0" lvl="0" indent="0" algn="ctr" defTabSz="914400" rtl="0" eaLnBrk="0" fontAlgn="base" latinLnBrk="0" hangingPunct="0">
+              <a:lnSpc>
+                <a:spcPct val="100000"/>
+              </a:lnSpc>
+              <a:spcBef>
+                <a:spcPct val="0"/>
+              </a:spcBef>
+              <a:spcAft>
+                <a:spcPct val="0"/>
+              </a:spcAft>
+              <a:buClrTx/>
+              <a:buSzTx/>
+              <a:buFontTx/>
+              <a:buNone/>
+              <a:tabLst/>
+              <a:defRPr/>
+            </a:pPr>
+            <a:r>
+              <a:rPr lang="de-CH" sz="1600" dirty="0">
+                <a:solidFill>
+                  <a:srgbClr val="FFFFFF"/>
+                </a:solidFill>
+              </a:rPr>
+              <a:t>7</a:t>
+            </a:r>
+            <a:endParaRPr kumimoji="0" lang="de-CH" sz="1600" b="0" i="0" u="none" strike="noStrike" kern="1200" cap="none" spc="0" normalizeH="0" baseline="0" noProof="0" dirty="0">
+              <a:ln>
+                <a:noFill/>
+              </a:ln>
+              <a:solidFill>
+                <a:srgbClr val="FFFFFF"/>
+              </a:solidFill>
+              <a:effectLst/>
+              <a:uLnTx/>
+              <a:uFillTx/>
+              <a:latin typeface="+mn-lt"/>
+              <a:ea typeface="+mn-ea"/>
+              <a:cs typeface="+mn-cs"/>
+            </a:endParaRPr>
+          </a:p>
+        </p:txBody>
+      </p:sp>
+      <p:sp>
+        <p:nvSpPr>
+          <p:cNvPr id="44" name="Ellipse 83"/>
+          <p:cNvSpPr/>
+          <p:nvPr/>
+        </p:nvSpPr>
+        <p:spPr>
+          <a:xfrm>
+            <a:off x="2491965" y="4366349"/>
+            <a:ext cx="288000" cy="288000"/>
+          </a:xfrm>
+          <a:prstGeom prst="ellipse">
+            <a:avLst/>
+          </a:prstGeom>
+        </p:spPr>
+        <p:style>
+          <a:lnRef idx="0">
+            <a:schemeClr val="accent1"/>
+          </a:lnRef>
+          <a:fillRef idx="3">
+            <a:schemeClr val="accent1"/>
+          </a:fillRef>
+          <a:effectRef idx="3">
+            <a:schemeClr val="accent1"/>
+          </a:effectRef>
+          <a:fontRef idx="minor">
+            <a:schemeClr val="lt1"/>
+          </a:fontRef>
+        </p:style>
+        <p:txBody>
+          <a:bodyPr rtlCol="0" anchor="ctr"/>
+          <a:lstStyle/>
+          <a:p>
+            <a:pPr marL="0" marR="0" lvl="0" indent="0" algn="ctr" defTabSz="914400" rtl="0" eaLnBrk="0" fontAlgn="base" latinLnBrk="0" hangingPunct="0">
+              <a:lnSpc>
+                <a:spcPct val="100000"/>
+              </a:lnSpc>
+              <a:spcBef>
+                <a:spcPct val="0"/>
+              </a:spcBef>
+              <a:spcAft>
+                <a:spcPct val="0"/>
+              </a:spcAft>
+              <a:buClrTx/>
+              <a:buSzTx/>
+              <a:buFontTx/>
+              <a:buNone/>
+              <a:tabLst/>
+              <a:defRPr/>
+            </a:pPr>
+            <a:r>
+              <a:rPr kumimoji="0" lang="de-CH" sz="1600" b="0" i="0" u="none" strike="noStrike" kern="1200" cap="none" spc="0" normalizeH="0" baseline="0" noProof="0" dirty="0" smtClean="0">
+                <a:ln>
+                  <a:noFill/>
+                </a:ln>
+                <a:solidFill>
+                  <a:srgbClr val="FFFFFF"/>
+                </a:solidFill>
+                <a:effectLst/>
+                <a:uLnTx/>
+                <a:uFillTx/>
+                <a:latin typeface="+mn-lt"/>
+                <a:ea typeface="+mn-ea"/>
+                <a:cs typeface="+mn-cs"/>
+              </a:rPr>
+              <a:t>5</a:t>
+            </a:r>
+            <a:endParaRPr kumimoji="0" lang="de-CH" sz="1600" b="0" i="0" u="none" strike="noStrike" kern="1200" cap="none" spc="0" normalizeH="0" baseline="0" noProof="0" dirty="0">
+              <a:ln>
+                <a:noFill/>
+              </a:ln>
+              <a:solidFill>
+                <a:srgbClr val="FFFFFF"/>
+              </a:solidFill>
+              <a:effectLst/>
+              <a:uLnTx/>
+              <a:uFillTx/>
+              <a:latin typeface="+mn-lt"/>
+              <a:ea typeface="+mn-ea"/>
+              <a:cs typeface="+mn-cs"/>
+            </a:endParaRPr>
+          </a:p>
+        </p:txBody>
+      </p:sp>
+      <p:sp>
+        <p:nvSpPr>
+          <p:cNvPr id="45" name="Ellipse 83"/>
+          <p:cNvSpPr/>
+          <p:nvPr/>
+        </p:nvSpPr>
+        <p:spPr>
+          <a:xfrm>
+            <a:off x="2886313" y="4366349"/>
+            <a:ext cx="288000" cy="288000"/>
+          </a:xfrm>
+          <a:prstGeom prst="ellipse">
+            <a:avLst/>
+          </a:prstGeom>
+        </p:spPr>
+        <p:style>
+          <a:lnRef idx="0">
+            <a:schemeClr val="accent1"/>
+          </a:lnRef>
+          <a:fillRef idx="3">
+            <a:schemeClr val="accent1"/>
+          </a:fillRef>
+          <a:effectRef idx="3">
+            <a:schemeClr val="accent1"/>
+          </a:effectRef>
+          <a:fontRef idx="minor">
+            <a:schemeClr val="lt1"/>
+          </a:fontRef>
+        </p:style>
+        <p:txBody>
+          <a:bodyPr rtlCol="0" anchor="ctr"/>
+          <a:lstStyle/>
+          <a:p>
+            <a:pPr marL="0" marR="0" lvl="0" indent="0" algn="ctr" defTabSz="914400" rtl="0" eaLnBrk="0" fontAlgn="base" latinLnBrk="0" hangingPunct="0">
+              <a:lnSpc>
+                <a:spcPct val="100000"/>
+              </a:lnSpc>
+              <a:spcBef>
+                <a:spcPct val="0"/>
+              </a:spcBef>
+              <a:spcAft>
+                <a:spcPct val="0"/>
+              </a:spcAft>
+              <a:buClrTx/>
+              <a:buSzTx/>
+              <a:buFontTx/>
+              <a:buNone/>
+              <a:tabLst/>
+              <a:defRPr/>
+            </a:pPr>
+            <a:r>
+              <a:rPr lang="de-CH" sz="1600" noProof="0" dirty="0" smtClean="0">
+                <a:solidFill>
+                  <a:srgbClr val="FFFFFF"/>
+                </a:solidFill>
+              </a:rPr>
+              <a:t>6</a:t>
+            </a:r>
+            <a:endParaRPr kumimoji="0" lang="de-CH" sz="1600" b="0" i="0" u="none" strike="noStrike" kern="1200" cap="none" spc="0" normalizeH="0" baseline="0" noProof="0" dirty="0">
+              <a:ln>
+                <a:noFill/>
+              </a:ln>
+              <a:solidFill>
+                <a:srgbClr val="FFFFFF"/>
+              </a:solidFill>
+              <a:effectLst/>
+              <a:uLnTx/>
+              <a:uFillTx/>
+              <a:latin typeface="+mn-lt"/>
+              <a:ea typeface="+mn-ea"/>
+              <a:cs typeface="+mn-cs"/>
+            </a:endParaRPr>
+          </a:p>
+        </p:txBody>
+      </p:sp>
     </p:spTree>
     <p:extLst>
       <p:ext uri="{BB962C8B-B14F-4D97-AF65-F5344CB8AC3E}">
@@ -2875,6 +3491,13 @@
   <p:clrMapOvr>
     <a:masterClrMapping/>
   </p:clrMapOvr>
+  <p:timing>
+    <p:tnLst>
+      <p:par>
+        <p:cTn id="1" dur="indefinite" restart="never" nodeType="tmRoot"/>
+      </p:par>
+    </p:tnLst>
+  </p:timing>
 </p:sld>
 </file>
 
